--- a/TA 6/advanced python.pptx
+++ b/TA 6/advanced python.pptx
@@ -35,9 +35,8 @@
     <p:sldId id="558" r:id="rId29"/>
     <p:sldId id="559" r:id="rId30"/>
     <p:sldId id="562" r:id="rId31"/>
-    <p:sldId id="561" r:id="rId32"/>
-    <p:sldId id="564" r:id="rId33"/>
-    <p:sldId id="565" r:id="rId34"/>
+    <p:sldId id="582" r:id="rId32"/>
+    <p:sldId id="561" r:id="rId33"/>
   </p:sldIdLst>
   <p:sldSz cx="12192000" cy="6858000"/>
   <p:notesSz cx="6858000" cy="9144000"/>
@@ -278,7 +277,7 @@
             <a:fld id="{B61BEF0D-F0BB-DE4B-95CE-6DB70DBA9567}" type="datetimeFigureOut">
               <a:rPr lang="en-US" smtClean="0"/>
               <a:pPr/>
-              <a:t>10/2/2023</a:t>
+              <a:t>2/3/2024</a:t>
             </a:fld>
             <a:endParaRPr lang="en-US" dirty="0"/>
           </a:p>
@@ -567,7 +566,7 @@
             <a:fld id="{B61BEF0D-F0BB-DE4B-95CE-6DB70DBA9567}" type="datetimeFigureOut">
               <a:rPr lang="en-US" smtClean="0"/>
               <a:pPr/>
-              <a:t>10/2/2023</a:t>
+              <a:t>2/3/2024</a:t>
             </a:fld>
             <a:endParaRPr lang="en-US" dirty="0"/>
           </a:p>
@@ -761,7 +760,7 @@
             <a:fld id="{B61BEF0D-F0BB-DE4B-95CE-6DB70DBA9567}" type="datetimeFigureOut">
               <a:rPr lang="en-US" smtClean="0"/>
               <a:pPr/>
-              <a:t>10/2/2023</a:t>
+              <a:t>2/3/2024</a:t>
             </a:fld>
             <a:endParaRPr lang="en-US" dirty="0"/>
           </a:p>
@@ -1024,7 +1023,7 @@
             <a:fld id="{B61BEF0D-F0BB-DE4B-95CE-6DB70DBA9567}" type="datetimeFigureOut">
               <a:rPr lang="en-US" smtClean="0"/>
               <a:pPr/>
-              <a:t>10/2/2023</a:t>
+              <a:t>2/3/2024</a:t>
             </a:fld>
             <a:endParaRPr lang="en-US" dirty="0"/>
           </a:p>
@@ -1450,7 +1449,7 @@
             <a:fld id="{B61BEF0D-F0BB-DE4B-95CE-6DB70DBA9567}" type="datetimeFigureOut">
               <a:rPr lang="en-US" smtClean="0"/>
               <a:pPr/>
-              <a:t>10/2/2023</a:t>
+              <a:t>2/3/2024</a:t>
             </a:fld>
             <a:endParaRPr lang="en-US" dirty="0"/>
           </a:p>
@@ -1998,7 +1997,7 @@
             <a:fld id="{B61BEF0D-F0BB-DE4B-95CE-6DB70DBA9567}" type="datetimeFigureOut">
               <a:rPr lang="en-US" smtClean="0"/>
               <a:pPr/>
-              <a:t>10/2/2023</a:t>
+              <a:t>2/3/2024</a:t>
             </a:fld>
             <a:endParaRPr lang="en-US" dirty="0"/>
           </a:p>
@@ -2840,7 +2839,7 @@
             <a:fld id="{B61BEF0D-F0BB-DE4B-95CE-6DB70DBA9567}" type="datetimeFigureOut">
               <a:rPr lang="en-US" smtClean="0"/>
               <a:pPr/>
-              <a:t>10/2/2023</a:t>
+              <a:t>2/3/2024</a:t>
             </a:fld>
             <a:endParaRPr lang="en-US" dirty="0"/>
           </a:p>
@@ -3012,7 +3011,7 @@
             <a:fld id="{B61BEF0D-F0BB-DE4B-95CE-6DB70DBA9567}" type="datetimeFigureOut">
               <a:rPr lang="en-US" smtClean="0"/>
               <a:pPr/>
-              <a:t>10/2/2023</a:t>
+              <a:t>2/3/2024</a:t>
             </a:fld>
             <a:endParaRPr lang="en-US" dirty="0"/>
           </a:p>
@@ -3198,7 +3197,7 @@
             <a:fld id="{B61BEF0D-F0BB-DE4B-95CE-6DB70DBA9567}" type="datetimeFigureOut">
               <a:rPr lang="en-US" smtClean="0"/>
               <a:pPr/>
-              <a:t>10/2/2023</a:t>
+              <a:t>2/3/2024</a:t>
             </a:fld>
             <a:endParaRPr lang="en-US" dirty="0"/>
           </a:p>
@@ -3403,7 +3402,7 @@
           <a:p>
             <a:fld id="{1D8BD707-D9CF-40AE-B4C6-C98DA3205C09}" type="datetimeFigureOut">
               <a:rPr lang="en-US"/>
-              <a:t>10/2/2023</a:t>
+              <a:t>2/3/2024</a:t>
             </a:fld>
             <a:endParaRPr lang="en-US"/>
           </a:p>
@@ -3564,7 +3563,7 @@
             <a:fld id="{B61BEF0D-F0BB-DE4B-95CE-6DB70DBA9567}" type="datetimeFigureOut">
               <a:rPr lang="en-US" smtClean="0"/>
               <a:pPr/>
-              <a:t>10/2/2023</a:t>
+              <a:t>2/3/2024</a:t>
             </a:fld>
             <a:endParaRPr lang="en-US" dirty="0"/>
           </a:p>
@@ -3814,7 +3813,7 @@
             <a:fld id="{B61BEF0D-F0BB-DE4B-95CE-6DB70DBA9567}" type="datetimeFigureOut">
               <a:rPr lang="en-US" smtClean="0"/>
               <a:pPr/>
-              <a:t>10/2/2023</a:t>
+              <a:t>2/3/2024</a:t>
             </a:fld>
             <a:endParaRPr lang="en-US" dirty="0"/>
           </a:p>
@@ -4053,7 +4052,7 @@
             <a:fld id="{B61BEF0D-F0BB-DE4B-95CE-6DB70DBA9567}" type="datetimeFigureOut">
               <a:rPr lang="en-US" smtClean="0"/>
               <a:pPr/>
-              <a:t>10/2/2023</a:t>
+              <a:t>2/3/2024</a:t>
             </a:fld>
             <a:endParaRPr lang="en-US" dirty="0"/>
           </a:p>
@@ -4428,7 +4427,7 @@
             <a:fld id="{B61BEF0D-F0BB-DE4B-95CE-6DB70DBA9567}" type="datetimeFigureOut">
               <a:rPr lang="en-US" smtClean="0"/>
               <a:pPr/>
-              <a:t>10/2/2023</a:t>
+              <a:t>2/3/2024</a:t>
             </a:fld>
             <a:endParaRPr lang="en-US" dirty="0"/>
           </a:p>
@@ -4548,7 +4547,7 @@
             <a:fld id="{B61BEF0D-F0BB-DE4B-95CE-6DB70DBA9567}" type="datetimeFigureOut">
               <a:rPr lang="en-US" smtClean="0"/>
               <a:pPr/>
-              <a:t>10/2/2023</a:t>
+              <a:t>2/3/2024</a:t>
             </a:fld>
             <a:endParaRPr lang="en-US" dirty="0"/>
           </a:p>
@@ -4645,7 +4644,7 @@
             <a:fld id="{B61BEF0D-F0BB-DE4B-95CE-6DB70DBA9567}" type="datetimeFigureOut">
               <a:rPr lang="en-US" smtClean="0"/>
               <a:pPr/>
-              <a:t>10/2/2023</a:t>
+              <a:t>2/3/2024</a:t>
             </a:fld>
             <a:endParaRPr lang="en-US" dirty="0"/>
           </a:p>
@@ -4898,7 +4897,7 @@
             <a:fld id="{B61BEF0D-F0BB-DE4B-95CE-6DB70DBA9567}" type="datetimeFigureOut">
               <a:rPr lang="en-US" smtClean="0"/>
               <a:pPr/>
-              <a:t>10/2/2023</a:t>
+              <a:t>2/3/2024</a:t>
             </a:fld>
             <a:endParaRPr lang="en-US" dirty="0"/>
           </a:p>
@@ -5187,7 +5186,7 @@
             <a:fld id="{B61BEF0D-F0BB-DE4B-95CE-6DB70DBA9567}" type="datetimeFigureOut">
               <a:rPr lang="en-US" smtClean="0"/>
               <a:pPr/>
-              <a:t>10/2/2023</a:t>
+              <a:t>2/3/2024</a:t>
             </a:fld>
             <a:endParaRPr lang="en-US" dirty="0"/>
           </a:p>
@@ -5402,7 +5401,7 @@
             <a:fld id="{B61BEF0D-F0BB-DE4B-95CE-6DB70DBA9567}" type="datetimeFigureOut">
               <a:rPr lang="en-US" smtClean="0"/>
               <a:pPr/>
-              <a:t>10/2/2023</a:t>
+              <a:t>2/3/2024</a:t>
             </a:fld>
             <a:endParaRPr lang="en-US" dirty="0"/>
           </a:p>
@@ -5903,38 +5902,40 @@
         </p:nvSpPr>
         <p:spPr>
           <a:xfrm>
-            <a:off x="1595269" y="2235200"/>
-            <a:ext cx="9001462" cy="2387600"/>
-          </a:xfrm>
-        </p:spPr>
-        <p:txBody>
-          <a:bodyPr/>
+            <a:off x="1427554" y="1640840"/>
+            <a:ext cx="9336891" cy="3576320"/>
+          </a:xfrm>
+        </p:spPr>
+        <p:txBody>
+          <a:bodyPr>
+            <a:normAutofit/>
+          </a:bodyPr>
           <a:lstStyle/>
           <a:p>
             <a:pPr rtl="1"/>
             <a:r>
-              <a:rPr lang="he-IL" cap="none" dirty="0"/>
+              <a:rPr lang="he-IL" sz="6600" cap="none" dirty="0"/>
               <a:t>תכנות מונחה עצמים</a:t>
             </a:r>
             <a:br>
-              <a:rPr lang="he-IL" cap="none" dirty="0"/>
+              <a:rPr lang="he-IL" sz="6600" cap="none" dirty="0"/>
             </a:br>
             <a:r>
-              <a:rPr lang="he-IL" cap="none" dirty="0" err="1"/>
+              <a:rPr lang="he-IL" sz="6600" cap="none" dirty="0"/>
               <a:t>P</a:t>
             </a:r>
             <a:r>
-              <a:rPr lang="en-US" cap="none" dirty="0" err="1"/>
+              <a:rPr lang="en-US" sz="6600" cap="none" dirty="0"/>
               <a:t>ython</a:t>
             </a:r>
             <a:r>
-              <a:rPr lang="he-IL" cap="none" dirty="0"/>
+              <a:rPr lang="he-IL" sz="6600" cap="none" dirty="0"/>
               <a:t> מתקדם</a:t>
             </a:r>
             <a:br>
-              <a:rPr lang="he-IL" cap="none" dirty="0"/>
+              <a:rPr lang="he-IL" sz="6600" cap="none" dirty="0"/>
             </a:br>
-            <a:endParaRPr lang="en-US" cap="none" dirty="0"/>
+            <a:endParaRPr lang="en-US" sz="6600" cap="none" dirty="0"/>
           </a:p>
         </p:txBody>
       </p:sp>
@@ -6061,7 +6062,7 @@
         <p:spPr>
           <a:xfrm>
             <a:off x="815546" y="1141515"/>
-            <a:ext cx="9129622" cy="923330"/>
+            <a:ext cx="9129622" cy="1015663"/>
           </a:xfrm>
           <a:prstGeom prst="rect">
             <a:avLst/>
@@ -6075,13 +6076,13 @@
           <a:lstStyle/>
           <a:p>
             <a:r>
-              <a:rPr lang="en-US" dirty="0"/>
+              <a:rPr lang="en-US" sz="2000" dirty="0"/>
               <a:t>Objects can also contain methods. Methods in objects are functions that belong to the object.</a:t>
             </a:r>
           </a:p>
           <a:p>
             <a:r>
-              <a:rPr lang="en-US" dirty="0"/>
+              <a:rPr lang="en-US" sz="2000" dirty="0"/>
               <a:t>Let us create a method in the Person class:</a:t>
             </a:r>
           </a:p>
@@ -6109,8 +6110,8 @@
         </p:blipFill>
         <p:spPr>
           <a:xfrm>
-            <a:off x="903520" y="2163402"/>
-            <a:ext cx="5319221" cy="3215919"/>
+            <a:off x="903520" y="2185436"/>
+            <a:ext cx="5574398" cy="3370195"/>
           </a:xfrm>
           <a:prstGeom prst="rect">
             <a:avLst/>
@@ -6139,7 +6140,7 @@
         </p:blipFill>
         <p:spPr>
           <a:xfrm>
-            <a:off x="921859" y="5570211"/>
+            <a:off x="921859" y="5716485"/>
             <a:ext cx="2598645" cy="739204"/>
           </a:xfrm>
           <a:prstGeom prst="rect">
@@ -6185,7 +6186,7 @@
         </p:nvSpPr>
         <p:spPr>
           <a:xfrm>
-            <a:off x="516416" y="138244"/>
+            <a:off x="516416" y="356966"/>
             <a:ext cx="10210800" cy="505267"/>
           </a:xfrm>
           <a:prstGeom prst="rect">
@@ -6269,8 +6270,8 @@
         </p:nvSpPr>
         <p:spPr>
           <a:xfrm>
-            <a:off x="626882" y="1114867"/>
-            <a:ext cx="10566018" cy="4278094"/>
+            <a:off x="516416" y="1289952"/>
+            <a:ext cx="11932644" cy="5386090"/>
           </a:xfrm>
           <a:prstGeom prst="rect">
             <a:avLst/>
@@ -6284,22 +6285,22 @@
           <a:lstStyle/>
           <a:p>
             <a:r>
-              <a:rPr lang="en-US" sz="2400" dirty="0"/>
+              <a:rPr lang="en-US" sz="2800" dirty="0"/>
               <a:t>Classical object-oriented languages, such as C++ and Java, control the access to class resources by public, private and protected keywords. Private members of a class are denied access from the environment outside the class. They can be handled only from within the class.</a:t>
             </a:r>
           </a:p>
           <a:p>
             <a:r>
-              <a:rPr lang="en-US" sz="2400" dirty="0"/>
+              <a:rPr lang="en-US" sz="2800" dirty="0"/>
               <a:t>Python doesn't have any mechanism that effectively restricts access to any instance variable or method. Python prescribes a convention of prefixing the name of the variable/method with single or double underscore to emulate the behavior of protected and private access specifiers.</a:t>
             </a:r>
           </a:p>
           <a:p>
-            <a:endParaRPr lang="en-US" sz="2400" dirty="0"/>
-          </a:p>
-          <a:p>
-            <a:r>
-              <a:rPr lang="en-US" sz="2800" dirty="0">
+            <a:endParaRPr lang="en-US" sz="2800" dirty="0"/>
+          </a:p>
+          <a:p>
+            <a:r>
+              <a:rPr lang="en-US" sz="3200" dirty="0">
                 <a:solidFill>
                   <a:schemeClr val="accent4">
                     <a:lumMod val="75000"/>
@@ -6363,7 +6364,7 @@
         </p:blipFill>
         <p:spPr>
           <a:xfrm>
-            <a:off x="516416" y="3405805"/>
+            <a:off x="253389" y="3429000"/>
             <a:ext cx="4785150" cy="1181202"/>
           </a:xfrm>
           <a:prstGeom prst="rect">
@@ -6385,8 +6386,8 @@
         </p:nvSpPr>
         <p:spPr>
           <a:xfrm>
-            <a:off x="516416" y="1351786"/>
-            <a:ext cx="4785150" cy="1631216"/>
+            <a:off x="253389" y="1120676"/>
+            <a:ext cx="5223070" cy="2308324"/>
           </a:xfrm>
           <a:prstGeom prst="rect">
             <a:avLst/>
@@ -6400,11 +6401,11 @@
           <a:lstStyle/>
           <a:p>
             <a:r>
-              <a:rPr lang="en-US" sz="2000" dirty="0"/>
+              <a:rPr lang="en-US" sz="2400" dirty="0"/>
               <a:t>Python's convention to make an instance variable </a:t>
             </a:r>
             <a:r>
-              <a:rPr lang="en-US" sz="2000" dirty="0">
+              <a:rPr lang="en-US" sz="2400" dirty="0">
                 <a:solidFill>
                   <a:schemeClr val="accent2"/>
                 </a:solidFill>
@@ -6412,7 +6413,7 @@
               <a:t>protected</a:t>
             </a:r>
             <a:r>
-              <a:rPr lang="en-US" sz="2000" dirty="0"/>
+              <a:rPr lang="en-US" sz="2400" dirty="0"/>
               <a:t> is to add a prefix _ (single underscore) to it. This effectively prevents it to be accessed, unless it is from within a sub-class.</a:t>
             </a:r>
           </a:p>
@@ -6432,8 +6433,8 @@
         </p:nvSpPr>
         <p:spPr>
           <a:xfrm>
-            <a:off x="6293227" y="1321952"/>
-            <a:ext cx="4785150" cy="1938992"/>
+            <a:off x="6096000" y="1044941"/>
+            <a:ext cx="5215110" cy="2677656"/>
           </a:xfrm>
           <a:prstGeom prst="rect">
             <a:avLst/>
@@ -6447,11 +6448,11 @@
           <a:lstStyle/>
           <a:p>
             <a:r>
-              <a:rPr lang="en-US" sz="2000" dirty="0"/>
+              <a:rPr lang="en-US" sz="2400" dirty="0"/>
               <a:t>a double underscore __ prefixed to a variable makes it </a:t>
             </a:r>
             <a:r>
-              <a:rPr lang="en-US" sz="2000" dirty="0">
+              <a:rPr lang="en-US" sz="2400" dirty="0">
                 <a:solidFill>
                   <a:schemeClr val="accent2"/>
                 </a:solidFill>
@@ -6459,20 +6460,20 @@
               <a:t>private</a:t>
             </a:r>
             <a:r>
-              <a:rPr lang="en-US" sz="2000" dirty="0"/>
+              <a:rPr lang="en-US" sz="2400" dirty="0"/>
               <a:t>. It gives a strong suggestion not to touch it from outside the class. Any attempt to do so will result in an </a:t>
             </a:r>
             <a:r>
-              <a:rPr lang="en-US" sz="2000" dirty="0" err="1"/>
+              <a:rPr lang="en-US" sz="2400" dirty="0" err="1"/>
               <a:t>AttributeError</a:t>
             </a:r>
             <a:r>
-              <a:rPr lang="en-US" sz="2000" dirty="0"/>
+              <a:rPr lang="en-US" sz="2400" dirty="0"/>
               <a:t>:</a:t>
             </a:r>
           </a:p>
           <a:p>
-            <a:endParaRPr lang="en-US" sz="2000" dirty="0"/>
+            <a:endParaRPr lang="en-US" sz="2400" dirty="0"/>
           </a:p>
         </p:txBody>
       </p:sp>
@@ -6498,7 +6499,7 @@
         </p:blipFill>
         <p:spPr>
           <a:xfrm>
-            <a:off x="6041075" y="3429000"/>
+            <a:off x="6096000" y="3420695"/>
             <a:ext cx="4864947" cy="1263093"/>
           </a:xfrm>
           <a:prstGeom prst="rect">
@@ -6654,7 +6655,7 @@
         <p:spPr>
           <a:xfrm>
             <a:off x="631671" y="110745"/>
-            <a:ext cx="10210800" cy="505267"/>
+            <a:ext cx="10210800" cy="628377"/>
           </a:xfrm>
           <a:prstGeom prst="rect">
             <a:avLst/>
@@ -6682,7 +6683,7 @@
           </a:lstStyle>
           <a:p>
             <a:r>
-              <a:rPr lang="en-US" dirty="0"/>
+              <a:rPr lang="en-US" sz="4000" dirty="0"/>
               <a:t>Python magic Functions</a:t>
             </a:r>
           </a:p>
@@ -6737,8 +6738,8 @@
         </p:nvSpPr>
         <p:spPr>
           <a:xfrm>
-            <a:off x="483446" y="921920"/>
-            <a:ext cx="9129622" cy="1815882"/>
+            <a:off x="483445" y="921920"/>
+            <a:ext cx="11708555" cy="2800767"/>
           </a:xfrm>
           <a:prstGeom prst="rect">
             <a:avLst/>
@@ -6752,36 +6753,36 @@
           <a:lstStyle/>
           <a:p>
             <a:r>
-              <a:rPr lang="en-US" sz="1600" dirty="0"/>
+              <a:rPr lang="en-US" sz="2200" dirty="0"/>
               <a:t>Class functions that begin with double underscore __ are called magic functions in Python.</a:t>
             </a:r>
           </a:p>
           <a:p>
-            <a:endParaRPr lang="en-US" sz="1600" dirty="0"/>
-          </a:p>
-          <a:p>
-            <a:r>
-              <a:rPr lang="en-US" sz="1600" dirty="0"/>
+            <a:endParaRPr lang="en-US" sz="2200" dirty="0"/>
+          </a:p>
+          <a:p>
+            <a:r>
+              <a:rPr lang="en-US" sz="2200" dirty="0"/>
               <a:t>These functions are not the typical functions that we define for a class. The __</a:t>
             </a:r>
             <a:r>
-              <a:rPr lang="en-US" sz="1600" dirty="0" err="1"/>
+              <a:rPr lang="en-US" sz="2200" dirty="0" err="1"/>
               <a:t>init</a:t>
             </a:r>
             <a:r>
-              <a:rPr lang="en-US" sz="1600" dirty="0"/>
+              <a:rPr lang="en-US" sz="2200" dirty="0"/>
               <a:t>__() function we defined above is one of them. It gets called every time we create a new object of that class.</a:t>
             </a:r>
           </a:p>
           <a:p>
             <a:r>
-              <a:rPr lang="en-US" sz="1600" dirty="0"/>
-              <a:t>There are numerous other special functions in Python. Visit Python magic Functions to learn more about them.</a:t>
-            </a:r>
-          </a:p>
-          <a:p>
-            <a:r>
-              <a:rPr lang="en-US" sz="1600" dirty="0"/>
+              <a:rPr lang="en-US" sz="2200" dirty="0"/>
+              <a:t>There are numerous other special functions in Python. </a:t>
+            </a:r>
+          </a:p>
+          <a:p>
+            <a:r>
+              <a:rPr lang="en-US" sz="2200" dirty="0"/>
               <a:t>Using magic functions, we can make our class compatible with built-in functions.</a:t>
             </a:r>
           </a:p>
@@ -6809,8 +6810,8 @@
         </p:blipFill>
         <p:spPr>
           <a:xfrm>
-            <a:off x="547843" y="3314296"/>
-            <a:ext cx="5015484" cy="2934104"/>
+            <a:off x="483445" y="4244039"/>
+            <a:ext cx="4347953" cy="2543592"/>
           </a:xfrm>
           <a:prstGeom prst="rect">
             <a:avLst/>
@@ -6839,8 +6840,8 @@
         </p:blipFill>
         <p:spPr>
           <a:xfrm>
-            <a:off x="6021141" y="5204370"/>
-            <a:ext cx="2042337" cy="1044030"/>
+            <a:off x="5038381" y="5560149"/>
+            <a:ext cx="2322223" cy="1187106"/>
           </a:xfrm>
           <a:prstGeom prst="rect">
             <a:avLst/>
@@ -6885,7 +6886,7 @@
         </p:nvSpPr>
         <p:spPr>
           <a:xfrm>
-            <a:off x="429658" y="336405"/>
+            <a:off x="429657" y="84121"/>
             <a:ext cx="10210800" cy="505267"/>
           </a:xfrm>
           <a:prstGeom prst="rect">
@@ -6969,8 +6970,8 @@
         </p:nvSpPr>
         <p:spPr>
           <a:xfrm>
-            <a:off x="429657" y="945651"/>
-            <a:ext cx="11270255" cy="2862322"/>
+            <a:off x="429657" y="824360"/>
+            <a:ext cx="11865167" cy="3785652"/>
           </a:xfrm>
           <a:prstGeom prst="rect">
             <a:avLst/>
@@ -6984,25 +6985,25 @@
           <a:lstStyle/>
           <a:p>
             <a:r>
-              <a:rPr lang="en-US" sz="2000" dirty="0"/>
+              <a:rPr lang="en-US" sz="2400" dirty="0"/>
               <a:t>Python operators work for built-in classes. But the same operator behaves differently with different types. For example, the + operator will perform arithmetic addition on two numbers, merge two lists, or concatenate two strings.</a:t>
             </a:r>
           </a:p>
           <a:p>
-            <a:endParaRPr lang="en-US" sz="2000" dirty="0"/>
-          </a:p>
-          <a:p>
-            <a:r>
-              <a:rPr lang="en-US" sz="2000" dirty="0"/>
+            <a:endParaRPr lang="en-US" sz="2400" dirty="0"/>
+          </a:p>
+          <a:p>
+            <a:r>
+              <a:rPr lang="en-US" sz="2400" dirty="0"/>
               <a:t>This feature in Python that allows the same operator to have different meaning according to the context is called operator overloading.</a:t>
             </a:r>
           </a:p>
           <a:p>
-            <a:endParaRPr lang="en-US" sz="2000" dirty="0"/>
-          </a:p>
-          <a:p>
-            <a:r>
-              <a:rPr lang="en-US" sz="2000" dirty="0"/>
+            <a:endParaRPr lang="en-US" sz="2400" dirty="0"/>
+          </a:p>
+          <a:p>
+            <a:r>
+              <a:rPr lang="en-US" sz="2400" dirty="0"/>
               <a:t>So what happens when we use them with objects of a user-defined class? Let us consider the following class, which tries to simulate a point in 2-D coordinate system.</a:t>
             </a:r>
           </a:p>
@@ -7029,7 +7030,7 @@
         </p:blipFill>
         <p:spPr>
           <a:xfrm>
-            <a:off x="250830" y="4110932"/>
+            <a:off x="0" y="4621380"/>
             <a:ext cx="3880496" cy="2236620"/>
           </a:xfrm>
           <a:prstGeom prst="rect">
@@ -7059,7 +7060,7 @@
         </p:blipFill>
         <p:spPr>
           <a:xfrm>
-            <a:off x="4633672" y="4583017"/>
+            <a:off x="5001520" y="5093465"/>
             <a:ext cx="7190480" cy="1764535"/>
           </a:xfrm>
           <a:prstGeom prst="rect">
@@ -7189,8 +7190,8 @@
         </p:nvSpPr>
         <p:spPr>
           <a:xfrm>
-            <a:off x="766120" y="855993"/>
-            <a:ext cx="9129622" cy="1323439"/>
+            <a:off x="766119" y="855993"/>
+            <a:ext cx="11308367" cy="1815882"/>
           </a:xfrm>
           <a:prstGeom prst="rect">
             <a:avLst/>
@@ -7204,7 +7205,7 @@
           <a:lstStyle/>
           <a:p>
             <a:r>
-              <a:rPr lang="en-US" sz="2000" dirty="0"/>
+              <a:rPr lang="en-US" sz="2800" dirty="0"/>
               <a:t>To overload the + operator, we will need to implement __add__() function in the class. With great power comes great responsibility. We can do whatever we like, inside this function. But it is more sensible to return a Point object of the coordinate sum.</a:t>
             </a:r>
           </a:p>
@@ -7262,8 +7263,8 @@
         </p:blipFill>
         <p:spPr>
           <a:xfrm>
-            <a:off x="6159094" y="5560500"/>
-            <a:ext cx="2034716" cy="899238"/>
+            <a:off x="6159094" y="5332164"/>
+            <a:ext cx="2551374" cy="1127574"/>
           </a:xfrm>
           <a:prstGeom prst="rect">
             <a:avLst/>
@@ -7509,8 +7510,8 @@
         </p:blipFill>
         <p:spPr>
           <a:xfrm>
-            <a:off x="977660" y="1394930"/>
-            <a:ext cx="8012016" cy="3628761"/>
+            <a:off x="977659" y="1394930"/>
+            <a:ext cx="9106615" cy="4124521"/>
           </a:xfrm>
           <a:prstGeom prst="rect">
             <a:avLst/>
@@ -7594,7 +7595,7 @@
         <p:spPr>
           <a:xfrm>
             <a:off x="990600" y="337517"/>
-            <a:ext cx="10210800" cy="505267"/>
+            <a:ext cx="10210800" cy="566822"/>
           </a:xfrm>
           <a:prstGeom prst="rect">
             <a:avLst/>
@@ -7622,7 +7623,7 @@
           </a:lstStyle>
           <a:p>
             <a:r>
-              <a:rPr lang="en-US" dirty="0"/>
+              <a:rPr lang="en-US" sz="3600" dirty="0"/>
               <a:t>The with statement</a:t>
             </a:r>
           </a:p>
@@ -7685,8 +7686,8 @@
         </p:blipFill>
         <p:spPr>
           <a:xfrm>
-            <a:off x="6964486" y="1216456"/>
-            <a:ext cx="4236914" cy="713705"/>
+            <a:off x="6978845" y="704910"/>
+            <a:ext cx="4569482" cy="769726"/>
           </a:xfrm>
           <a:prstGeom prst="rect">
             <a:avLst/>
@@ -7918,8 +7919,8 @@
         </p:blipFill>
         <p:spPr>
           <a:xfrm>
-            <a:off x="6964486" y="2723738"/>
-            <a:ext cx="4330453" cy="3751129"/>
+            <a:off x="6885306" y="2440237"/>
+            <a:ext cx="4663021" cy="4039206"/>
           </a:xfrm>
           <a:prstGeom prst="rect">
             <a:avLst/>
@@ -7964,8 +7965,8 @@
         </p:nvSpPr>
         <p:spPr>
           <a:xfrm>
-            <a:off x="734695" y="185544"/>
-            <a:ext cx="10210800" cy="505267"/>
+            <a:off x="1169743" y="2807035"/>
+            <a:ext cx="9852514" cy="1243930"/>
           </a:xfrm>
           <a:prstGeom prst="rect">
             <a:avLst/>
@@ -7992,68 +7993,10 @@
             </a:lvl1pPr>
           </a:lstStyle>
           <a:p>
-            <a:r>
-              <a:rPr lang="en-US" dirty="0"/>
+            <a:pPr algn="ctr"/>
+            <a:r>
+              <a:rPr lang="en-US" sz="8000" dirty="0"/>
               <a:t>Python Inheritance</a:t>
-            </a:r>
-          </a:p>
-        </p:txBody>
-      </p:sp>
-      <p:sp>
-        <p:nvSpPr>
-          <p:cNvPr id="10" name="תיבת טקסט 9">
-            <a:extLst>
-              <a:ext uri="{FF2B5EF4-FFF2-40B4-BE49-F238E27FC236}">
-                <a16:creationId xmlns:a16="http://schemas.microsoft.com/office/drawing/2014/main" id="{18AC4B54-B5F4-474E-9673-04DCF759462F}"/>
-              </a:ext>
-            </a:extLst>
-          </p:cNvPr>
-          <p:cNvSpPr txBox="1"/>
-          <p:nvPr/>
-        </p:nvSpPr>
-        <p:spPr>
-          <a:xfrm>
-            <a:off x="734695" y="1464905"/>
-            <a:ext cx="9129622" cy="4401205"/>
-          </a:xfrm>
-          <a:prstGeom prst="rect">
-            <a:avLst/>
-          </a:prstGeom>
-          <a:noFill/>
-        </p:spPr>
-        <p:txBody>
-          <a:bodyPr wrap="square">
-            <a:spAutoFit/>
-          </a:bodyPr>
-          <a:lstStyle/>
-          <a:p>
-            <a:r>
-              <a:rPr lang="en-US" sz="2800" dirty="0"/>
-              <a:t>Python Inheritance allows us to define a class that inherits all the methods and properties from another class.</a:t>
-            </a:r>
-          </a:p>
-          <a:p>
-            <a:r>
-              <a:rPr lang="en-US" sz="2800" dirty="0"/>
-              <a:t>Parent class is the class being inherited from, also called base class.</a:t>
-            </a:r>
-          </a:p>
-          <a:p>
-            <a:r>
-              <a:rPr lang="en-US" sz="2800" dirty="0"/>
-              <a:t>Child class is the class that inherits from another class, also called derived class.</a:t>
-            </a:r>
-          </a:p>
-          <a:p>
-            <a:r>
-              <a:rPr lang="en-US" sz="2800" dirty="0"/>
-              <a:t>Create a Parent Class</a:t>
-            </a:r>
-          </a:p>
-          <a:p>
-            <a:r>
-              <a:rPr lang="en-US" sz="2800" dirty="0"/>
-              <a:t>Any class can be a parent class, so the syntax is the same as creating any other class:</a:t>
             </a:r>
           </a:p>
         </p:txBody>
@@ -8106,42 +8049,8 @@
         </p:nvSpPr>
         <p:spPr>
           <a:xfrm>
-            <a:off x="1086643" y="-165315"/>
-            <a:ext cx="9905998" cy="1905000"/>
-          </a:xfrm>
-        </p:spPr>
-        <p:txBody>
-          <a:bodyPr/>
-          <a:lstStyle/>
-          <a:p>
-            <a:pPr algn="r"/>
-            <a:r>
-              <a:rPr lang="he-IL" dirty="0"/>
-              <a:t>נושאים להיום:</a:t>
-            </a:r>
-          </a:p>
-        </p:txBody>
-      </p:sp>
-      <p:sp>
-        <p:nvSpPr>
-          <p:cNvPr id="3" name="מציין מיקום תוכן 2">
-            <a:extLst>
-              <a:ext uri="{FF2B5EF4-FFF2-40B4-BE49-F238E27FC236}">
-                <a16:creationId xmlns:a16="http://schemas.microsoft.com/office/drawing/2014/main" id="{E666A8E8-BED2-4876-A795-DA9976C5FEF7}"/>
-              </a:ext>
-            </a:extLst>
-          </p:cNvPr>
-          <p:cNvSpPr>
-            <a:spLocks noGrp="1"/>
-          </p:cNvSpPr>
-          <p:nvPr>
-            <p:ph idx="1"/>
-          </p:nvPr>
-        </p:nvSpPr>
-        <p:spPr>
-          <a:xfrm>
-            <a:off x="973929" y="1739685"/>
-            <a:ext cx="8200552" cy="5598375"/>
+            <a:off x="7762241" y="211959"/>
+            <a:ext cx="3230400" cy="1210441"/>
           </a:xfrm>
         </p:spPr>
         <p:txBody>
@@ -8150,9 +8059,48 @@
           </a:bodyPr>
           <a:lstStyle/>
           <a:p>
-            <a:pPr algn="l"/>
-            <a:r>
-              <a:rPr lang="en-US" sz="2400" b="0" cap="none" spc="75" dirty="0">
+            <a:pPr algn="r"/>
+            <a:r>
+              <a:rPr lang="he-IL" sz="4000" dirty="0"/>
+              <a:t>נושאים להיום:</a:t>
+            </a:r>
+          </a:p>
+        </p:txBody>
+      </p:sp>
+      <p:sp>
+        <p:nvSpPr>
+          <p:cNvPr id="4" name="תיבת טקסט 3">
+            <a:extLst>
+              <a:ext uri="{FF2B5EF4-FFF2-40B4-BE49-F238E27FC236}">
+                <a16:creationId xmlns:a16="http://schemas.microsoft.com/office/drawing/2014/main" id="{C4442B6C-BDCC-5985-8A2F-6FDD73889032}"/>
+              </a:ext>
+            </a:extLst>
+          </p:cNvPr>
+          <p:cNvSpPr txBox="1"/>
+          <p:nvPr/>
+        </p:nvSpPr>
+        <p:spPr>
+          <a:xfrm>
+            <a:off x="348343" y="1872343"/>
+            <a:ext cx="5181600" cy="5078313"/>
+          </a:xfrm>
+          <a:prstGeom prst="rect">
+            <a:avLst/>
+          </a:prstGeom>
+          <a:noFill/>
+        </p:spPr>
+        <p:txBody>
+          <a:bodyPr wrap="square" rtlCol="1">
+            <a:spAutoFit/>
+          </a:bodyPr>
+          <a:lstStyle/>
+          <a:p>
+            <a:pPr marL="285750" indent="-285750">
+              <a:buFont typeface="Arial" panose="020B0604020202020204" pitchFamily="34" charset="0"/>
+              <a:buChar char="•"/>
+            </a:pPr>
+            <a:r>
+              <a:rPr lang="en-US" sz="3600" b="0" cap="none" spc="75" dirty="0">
                 <a:solidFill>
                   <a:schemeClr val="tx1"/>
                 </a:solidFill>
@@ -8163,9 +8111,12 @@
             </a:r>
           </a:p>
           <a:p>
-            <a:pPr algn="l"/>
-            <a:r>
-              <a:rPr lang="en-US" sz="2400" b="0" cap="none" spc="75" dirty="0">
+            <a:pPr marL="285750" indent="-285750" algn="l">
+              <a:buFont typeface="Arial" panose="020B0604020202020204" pitchFamily="34" charset="0"/>
+              <a:buChar char="•"/>
+            </a:pPr>
+            <a:r>
+              <a:rPr lang="en-US" sz="3600" b="0" cap="none" spc="75" dirty="0">
                 <a:solidFill>
                   <a:schemeClr val="tx1"/>
                 </a:solidFill>
@@ -8176,9 +8127,12 @@
             </a:r>
           </a:p>
           <a:p>
-            <a:pPr algn="l"/>
-            <a:r>
-              <a:rPr lang="en-US" sz="2400" cap="none" spc="75" dirty="0">
+            <a:pPr marL="285750" indent="-285750" algn="l">
+              <a:buFont typeface="Arial" panose="020B0604020202020204" pitchFamily="34" charset="0"/>
+              <a:buChar char="•"/>
+            </a:pPr>
+            <a:r>
+              <a:rPr lang="en-US" sz="3600" cap="none" spc="75" dirty="0">
                 <a:solidFill>
                   <a:schemeClr val="tx1"/>
                 </a:solidFill>
@@ -8187,7 +8141,7 @@
               </a:rPr>
               <a:t>python magic methods</a:t>
             </a:r>
-            <a:endParaRPr lang="en-US" sz="2400" b="0" cap="none" spc="75" dirty="0">
+            <a:endParaRPr lang="en-US" sz="3600" b="0" cap="none" spc="75" dirty="0">
               <a:solidFill>
                 <a:schemeClr val="tx1"/>
               </a:solidFill>
@@ -8196,9 +8150,12 @@
             </a:endParaRPr>
           </a:p>
           <a:p>
-            <a:pPr algn="l"/>
-            <a:r>
-              <a:rPr lang="en-US" sz="2400" b="0" cap="none" spc="75" dirty="0">
+            <a:pPr marL="285750" indent="-285750" algn="l">
+              <a:buFont typeface="Arial" panose="020B0604020202020204" pitchFamily="34" charset="0"/>
+              <a:buChar char="•"/>
+            </a:pPr>
+            <a:r>
+              <a:rPr lang="en-US" sz="3600" b="0" cap="none" spc="75" dirty="0">
                 <a:solidFill>
                   <a:schemeClr val="tx1"/>
                 </a:solidFill>
@@ -8209,9 +8166,12 @@
             </a:r>
           </a:p>
           <a:p>
-            <a:pPr algn="l"/>
-            <a:r>
-              <a:rPr lang="en-US" sz="2400" b="0" cap="none" spc="75" dirty="0">
+            <a:pPr marL="285750" indent="-285750" algn="l">
+              <a:buFont typeface="Arial" panose="020B0604020202020204" pitchFamily="34" charset="0"/>
+              <a:buChar char="•"/>
+            </a:pPr>
+            <a:r>
+              <a:rPr lang="en-US" sz="3600" b="0" cap="none" spc="75" dirty="0">
                 <a:solidFill>
                   <a:schemeClr val="tx1"/>
                 </a:solidFill>
@@ -8222,9 +8182,12 @@
             </a:r>
           </a:p>
           <a:p>
-            <a:pPr algn="l"/>
-            <a:r>
-              <a:rPr lang="en-US" sz="2400" b="0" cap="none" spc="75" dirty="0">
+            <a:pPr marL="285750" indent="-285750" algn="l">
+              <a:buFont typeface="Arial" panose="020B0604020202020204" pitchFamily="34" charset="0"/>
+              <a:buChar char="•"/>
+            </a:pPr>
+            <a:r>
+              <a:rPr lang="en-US" sz="3600" b="0" cap="none" spc="75" dirty="0">
                 <a:solidFill>
                   <a:schemeClr val="tx1"/>
                 </a:solidFill>
@@ -8235,9 +8198,12 @@
             </a:r>
           </a:p>
           <a:p>
-            <a:pPr algn="l"/>
-            <a:r>
-              <a:rPr lang="en-US" sz="2400" b="0" cap="none" spc="75" dirty="0">
+            <a:pPr marL="285750" indent="-285750" algn="l">
+              <a:buFont typeface="Arial" panose="020B0604020202020204" pitchFamily="34" charset="0"/>
+              <a:buChar char="•"/>
+            </a:pPr>
+            <a:r>
+              <a:rPr lang="en-US" sz="3600" b="0" cap="none" spc="75" dirty="0">
                 <a:solidFill>
                   <a:schemeClr val="tx1"/>
                 </a:solidFill>
@@ -8248,71 +8214,11 @@
             </a:r>
           </a:p>
           <a:p>
-            <a:pPr algn="l"/>
-            <a:r>
-              <a:rPr lang="en-US" sz="2400" b="0" cap="none" spc="75" dirty="0">
-                <a:solidFill>
-                  <a:schemeClr val="tx1"/>
-                </a:solidFill>
-                <a:latin typeface="+mj-lt"/>
-                <a:cs typeface="Yanone Kaffeesatz Light"/>
-              </a:rPr>
-              <a:t>Python JSON</a:t>
-            </a:r>
-          </a:p>
-          <a:p>
-            <a:pPr marL="0" indent="0" algn="l">
-              <a:buNone/>
+            <a:pPr marL="285750" indent="-285750">
+              <a:buFont typeface="Arial" panose="020B0604020202020204" pitchFamily="34" charset="0"/>
+              <a:buChar char="•"/>
             </a:pPr>
-            <a:r>
-              <a:rPr lang="en-US" sz="2400" cap="none" spc="75" dirty="0">
-                <a:solidFill>
-                  <a:schemeClr val="tx1"/>
-                </a:solidFill>
-                <a:latin typeface="+mj-lt"/>
-                <a:cs typeface="Yanone Kaffeesatz Light"/>
-              </a:rPr>
-              <a:t>  </a:t>
-            </a:r>
-            <a:endParaRPr lang="en-US" sz="2400" b="0" cap="none" spc="75" dirty="0">
-              <a:solidFill>
-                <a:schemeClr val="tx1"/>
-              </a:solidFill>
-              <a:latin typeface="+mj-lt"/>
-              <a:cs typeface="Yanone Kaffeesatz Light"/>
-            </a:endParaRPr>
-          </a:p>
-          <a:p>
-            <a:pPr marL="0" indent="0" algn="l">
-              <a:buNone/>
-            </a:pPr>
-            <a:endParaRPr lang="en-US" sz="2400" b="0" cap="none" spc="75" dirty="0">
-              <a:solidFill>
-                <a:schemeClr val="tx1"/>
-              </a:solidFill>
-              <a:latin typeface="+mj-lt"/>
-              <a:cs typeface="Yanone Kaffeesatz Light"/>
-            </a:endParaRPr>
-          </a:p>
-          <a:p>
-            <a:pPr algn="l"/>
-            <a:endParaRPr lang="en-US" sz="2400" b="0" cap="none" spc="30" dirty="0">
-              <a:solidFill>
-                <a:schemeClr val="tx1"/>
-              </a:solidFill>
-              <a:latin typeface="+mj-lt"/>
-              <a:cs typeface="Yanone Kaffeesatz Light"/>
-            </a:endParaRPr>
-          </a:p>
-          <a:p>
-            <a:pPr algn="l"/>
-            <a:endParaRPr lang="en-US" sz="2400" b="0" cap="none" spc="30" dirty="0">
-              <a:solidFill>
-                <a:schemeClr val="tx1"/>
-              </a:solidFill>
-              <a:latin typeface="+mj-lt"/>
-              <a:cs typeface="Yanone Kaffeesatz Light"/>
-            </a:endParaRPr>
+            <a:endParaRPr lang="he-IL" sz="3600" dirty="0"/>
           </a:p>
         </p:txBody>
       </p:sp>
@@ -8364,7 +8270,7 @@
         <p:spPr>
           <a:xfrm>
             <a:off x="239003" y="1085772"/>
-            <a:ext cx="6097836" cy="1200329"/>
+            <a:ext cx="6097836" cy="1415772"/>
           </a:xfrm>
           <a:prstGeom prst="rect">
             <a:avLst/>
@@ -8378,18 +8284,18 @@
           <a:lstStyle/>
           <a:p>
             <a:r>
-              <a:rPr lang="en-US" sz="1800" b="1" dirty="0"/>
+              <a:rPr lang="en-US" sz="2200" b="1" dirty="0"/>
               <a:t>Create a Parent Class</a:t>
             </a:r>
           </a:p>
           <a:p>
             <a:r>
-              <a:rPr lang="en-US" sz="1800" dirty="0"/>
+              <a:rPr lang="en-US" sz="2200" dirty="0"/>
               <a:t>Any class can be a parent class, so the syntax is the same as creating any other class:</a:t>
             </a:r>
           </a:p>
           <a:p>
-            <a:endParaRPr lang="en-US" sz="1800" dirty="0"/>
+            <a:endParaRPr lang="en-US" sz="2000" dirty="0"/>
           </a:p>
         </p:txBody>
       </p:sp>
@@ -8414,7 +8320,7 @@
         </p:blipFill>
         <p:spPr>
           <a:xfrm>
-            <a:off x="250021" y="2162481"/>
+            <a:off x="282858" y="2237568"/>
             <a:ext cx="5525576" cy="2212589"/>
           </a:xfrm>
           <a:prstGeom prst="rect">
@@ -8437,7 +8343,7 @@
         <p:spPr>
           <a:xfrm>
             <a:off x="239617" y="4771387"/>
-            <a:ext cx="6097836" cy="369332"/>
+            <a:ext cx="6097836" cy="400110"/>
           </a:xfrm>
           <a:prstGeom prst="rect">
             <a:avLst/>
@@ -8451,7 +8357,7 @@
           <a:lstStyle/>
           <a:p>
             <a:r>
-              <a:rPr lang="en-US" sz="1800" b="1" dirty="0"/>
+              <a:rPr lang="en-US" sz="2000" b="1" dirty="0"/>
               <a:t>Create a Child Class</a:t>
             </a:r>
           </a:p>
@@ -8689,7 +8595,7 @@
         <p:spPr>
           <a:xfrm>
             <a:off x="415206" y="225728"/>
-            <a:ext cx="10210800" cy="505267"/>
+            <a:ext cx="10210800" cy="628377"/>
           </a:xfrm>
           <a:prstGeom prst="rect">
             <a:avLst/>
@@ -8717,7 +8623,7 @@
           </a:lstStyle>
           <a:p>
             <a:r>
-              <a:rPr lang="en-US" dirty="0"/>
+              <a:rPr lang="en-US" sz="4000" dirty="0"/>
               <a:t>Python Inheritance</a:t>
             </a:r>
           </a:p>
@@ -8761,7 +8667,7 @@
         </p:nvSpPr>
         <p:spPr>
           <a:xfrm>
-            <a:off x="734695" y="280766"/>
+            <a:off x="734695" y="157436"/>
             <a:ext cx="10210800" cy="505267"/>
           </a:xfrm>
           <a:prstGeom prst="rect">
@@ -8845,8 +8751,8 @@
         </p:nvSpPr>
         <p:spPr>
           <a:xfrm>
-            <a:off x="734695" y="1005840"/>
-            <a:ext cx="9973700" cy="3970318"/>
+            <a:off x="469900" y="837868"/>
+            <a:ext cx="11165698" cy="4370427"/>
           </a:xfrm>
           <a:prstGeom prst="rect">
             <a:avLst/>
@@ -8860,29 +8766,29 @@
           <a:lstStyle/>
           <a:p>
             <a:r>
-              <a:rPr lang="en-US" dirty="0"/>
+              <a:rPr lang="en-US" sz="2000" dirty="0"/>
               <a:t>An abstract class can be considered as a blueprint for other classes. It allows you to create a set of methods that must be created within any child classes built from the abstract class. A class which contains one or more abstract methods is called an abstract class. An abstract method is a method that has a declaration but does not have an implementation. While we are designing large functional units we use an abstract class. When we want to provide a common interface for different implementations of a component, we use an abstract class.</a:t>
             </a:r>
           </a:p>
           <a:p>
-            <a:endParaRPr lang="en-US" dirty="0"/>
-          </a:p>
-          <a:p>
-            <a:r>
-              <a:rPr lang="en-US" dirty="0"/>
+            <a:endParaRPr lang="en-US" sz="2000" dirty="0"/>
+          </a:p>
+          <a:p>
+            <a:r>
+              <a:rPr lang="en-US" sz="2000" dirty="0"/>
               <a:t>How Abstract Base classes work :</a:t>
             </a:r>
           </a:p>
           <a:p>
             <a:r>
-              <a:rPr lang="en-US" dirty="0"/>
+              <a:rPr lang="en-US" sz="2000" dirty="0"/>
               <a:t>By default, Python does not provide abstract classes. Python comes with a module which provides the base for defining Abstract Base classes(ABC) and that module name is ABC. ABC works by decorating methods of the base class as abstract and then registering concrete classes as implementations of the abstract base. A method becomes abstract when decorated with the keyword @abstractmethod. </a:t>
             </a:r>
-            <a:endParaRPr lang="en-US" sz="2000" dirty="0"/>
-          </a:p>
-          <a:p>
-            <a:r>
-              <a:rPr lang="en-US" dirty="0"/>
+            <a:endParaRPr lang="en-US" sz="2400" dirty="0"/>
+          </a:p>
+          <a:p>
+            <a:r>
+              <a:rPr lang="en-US" sz="2000" dirty="0"/>
               <a:t> </a:t>
             </a:r>
           </a:p>
@@ -8957,7 +8863,7 @@
         <p:spPr>
           <a:xfrm>
             <a:off x="734695" y="356966"/>
-            <a:ext cx="10210800" cy="505267"/>
+            <a:ext cx="10210800" cy="566822"/>
           </a:xfrm>
           <a:prstGeom prst="rect">
             <a:avLst/>
@@ -8985,7 +8891,7 @@
           </a:lstStyle>
           <a:p>
             <a:r>
-              <a:rPr lang="en-US" dirty="0"/>
+              <a:rPr lang="en-US" sz="3600" dirty="0"/>
               <a:t>Python Inheritance</a:t>
             </a:r>
           </a:p>
@@ -9040,8 +8946,8 @@
         </p:nvSpPr>
         <p:spPr>
           <a:xfrm>
-            <a:off x="734694" y="1090502"/>
-            <a:ext cx="10862945" cy="3785652"/>
+            <a:off x="110170" y="1090502"/>
+            <a:ext cx="11487470" cy="4093428"/>
           </a:xfrm>
           <a:prstGeom prst="rect">
             <a:avLst/>
@@ -9055,11 +8961,11 @@
           <a:lstStyle/>
           <a:p>
             <a:r>
-              <a:rPr lang="en-US" sz="1600" dirty="0"/>
+              <a:rPr lang="en-US" dirty="0"/>
               <a:t>Add the </a:t>
             </a:r>
             <a:r>
-              <a:rPr lang="en-US" sz="1600" dirty="0">
+              <a:rPr lang="en-US" dirty="0">
                 <a:solidFill>
                   <a:schemeClr val="accent3"/>
                 </a:solidFill>
@@ -9067,7 +8973,7 @@
               <a:t>__</a:t>
             </a:r>
             <a:r>
-              <a:rPr lang="en-US" sz="1600" dirty="0" err="1">
+              <a:rPr lang="en-US" dirty="0" err="1">
                 <a:solidFill>
                   <a:schemeClr val="accent3"/>
                 </a:solidFill>
@@ -9075,7 +8981,7 @@
               <a:t>init</a:t>
             </a:r>
             <a:r>
-              <a:rPr lang="en-US" sz="1600" dirty="0">
+              <a:rPr lang="en-US" dirty="0">
                 <a:solidFill>
                   <a:schemeClr val="accent3"/>
                 </a:solidFill>
@@ -9083,23 +8989,23 @@
               <a:t>__() </a:t>
             </a:r>
             <a:r>
-              <a:rPr lang="en-US" sz="1600" dirty="0"/>
+              <a:rPr lang="en-US" dirty="0"/>
               <a:t>Function</a:t>
             </a:r>
           </a:p>
           <a:p>
             <a:r>
-              <a:rPr lang="en-US" sz="1600" dirty="0"/>
+              <a:rPr lang="en-US" dirty="0"/>
               <a:t>So far, we have created a child class that inherits the properties and methods from its parent.</a:t>
             </a:r>
           </a:p>
           <a:p>
             <a:r>
-              <a:rPr lang="en-US" sz="1600" dirty="0"/>
+              <a:rPr lang="en-US" dirty="0"/>
               <a:t>We want to add the </a:t>
             </a:r>
             <a:r>
-              <a:rPr lang="en-US" sz="1600" dirty="0">
+              <a:rPr lang="en-US" dirty="0">
                 <a:solidFill>
                   <a:schemeClr val="accent3"/>
                 </a:solidFill>
@@ -9107,7 +9013,7 @@
               <a:t>__</a:t>
             </a:r>
             <a:r>
-              <a:rPr lang="en-US" sz="1600" dirty="0" err="1">
+              <a:rPr lang="en-US" dirty="0" err="1">
                 <a:solidFill>
                   <a:schemeClr val="accent3"/>
                 </a:solidFill>
@@ -9115,7 +9021,7 @@
               <a:t>init</a:t>
             </a:r>
             <a:r>
-              <a:rPr lang="en-US" sz="1600" dirty="0">
+              <a:rPr lang="en-US" dirty="0">
                 <a:solidFill>
                   <a:schemeClr val="accent3"/>
                 </a:solidFill>
@@ -9123,9 +9029,18 @@
               <a:t>__() </a:t>
             </a:r>
             <a:r>
-              <a:rPr lang="en-US" sz="1600" dirty="0"/>
+              <a:rPr lang="en-US" dirty="0"/>
               <a:t>function to the child class (instead of the pass keyword).</a:t>
             </a:r>
+            <a:endParaRPr lang="ru-RU" dirty="0"/>
+          </a:p>
+          <a:p>
+            <a:endParaRPr lang="ru-RU" dirty="0"/>
+          </a:p>
+          <a:p>
+            <a:endParaRPr lang="ru-RU" dirty="0"/>
+          </a:p>
+          <a:p>
             <a:endParaRPr lang="ru-RU" sz="1600" dirty="0"/>
           </a:p>
           <a:p>
@@ -9135,24 +9050,15 @@
             <a:endParaRPr lang="ru-RU" sz="1600" dirty="0"/>
           </a:p>
           <a:p>
-            <a:endParaRPr lang="ru-RU" sz="1600" dirty="0"/>
-          </a:p>
-          <a:p>
-            <a:endParaRPr lang="ru-RU" sz="1600" dirty="0"/>
-          </a:p>
-          <a:p>
-            <a:endParaRPr lang="ru-RU" sz="1600" dirty="0"/>
-          </a:p>
-          <a:p>
-            <a:endParaRPr lang="en-US" sz="1600" dirty="0"/>
-          </a:p>
-          <a:p>
-            <a:r>
-              <a:rPr lang="en-US" sz="1600" dirty="0"/>
+            <a:endParaRPr lang="en-US" sz="1600" dirty="0"/>
+          </a:p>
+          <a:p>
+            <a:r>
+              <a:rPr lang="en-US" dirty="0"/>
               <a:t>When you add the </a:t>
             </a:r>
             <a:r>
-              <a:rPr lang="en-US" sz="1600" dirty="0">
+              <a:rPr lang="en-US" dirty="0">
                 <a:solidFill>
                   <a:schemeClr val="accent6">
                     <a:lumMod val="75000"/>
@@ -9162,7 +9068,7 @@
               <a:t>_</a:t>
             </a:r>
             <a:r>
-              <a:rPr lang="en-US" sz="1600" dirty="0">
+              <a:rPr lang="en-US" dirty="0">
                 <a:solidFill>
                   <a:schemeClr val="accent3"/>
                 </a:solidFill>
@@ -9170,7 +9076,7 @@
               <a:t>_</a:t>
             </a:r>
             <a:r>
-              <a:rPr lang="en-US" sz="1600" dirty="0" err="1">
+              <a:rPr lang="en-US" dirty="0" err="1">
                 <a:solidFill>
                   <a:schemeClr val="accent3"/>
                 </a:solidFill>
@@ -9178,7 +9084,7 @@
               <a:t>init</a:t>
             </a:r>
             <a:r>
-              <a:rPr lang="en-US" sz="1600" dirty="0">
+              <a:rPr lang="en-US" dirty="0">
                 <a:solidFill>
                   <a:schemeClr val="accent3"/>
                 </a:solidFill>
@@ -9186,28 +9092,28 @@
               <a:t>__() </a:t>
             </a:r>
             <a:r>
-              <a:rPr lang="en-US" sz="1600" dirty="0"/>
+              <a:rPr lang="en-US" dirty="0"/>
               <a:t>function, the child class will no longer inherit the parent's __</a:t>
             </a:r>
             <a:r>
-              <a:rPr lang="en-US" sz="1600" dirty="0" err="1"/>
+              <a:rPr lang="en-US" dirty="0" err="1"/>
               <a:t>init</a:t>
             </a:r>
             <a:r>
-              <a:rPr lang="en-US" sz="1600" dirty="0"/>
+              <a:rPr lang="en-US" dirty="0"/>
               <a:t>__() function.</a:t>
             </a:r>
           </a:p>
           <a:p>
-            <a:endParaRPr lang="en-US" sz="1600" dirty="0"/>
-          </a:p>
-          <a:p>
-            <a:r>
-              <a:rPr lang="en-US" sz="1600" dirty="0"/>
+            <a:endParaRPr lang="en-US" dirty="0"/>
+          </a:p>
+          <a:p>
+            <a:r>
+              <a:rPr lang="en-US" dirty="0"/>
               <a:t>Note: The child's </a:t>
             </a:r>
             <a:r>
-              <a:rPr lang="en-US" sz="1600" dirty="0">
+              <a:rPr lang="en-US" dirty="0">
                 <a:solidFill>
                   <a:schemeClr val="accent3"/>
                 </a:solidFill>
@@ -9215,7 +9121,7 @@
               <a:t>__</a:t>
             </a:r>
             <a:r>
-              <a:rPr lang="en-US" sz="1600" dirty="0" err="1">
+              <a:rPr lang="en-US" dirty="0" err="1">
                 <a:solidFill>
                   <a:schemeClr val="accent3"/>
                 </a:solidFill>
@@ -9223,7 +9129,7 @@
               <a:t>init</a:t>
             </a:r>
             <a:r>
-              <a:rPr lang="en-US" sz="1600" dirty="0">
+              <a:rPr lang="en-US" dirty="0">
                 <a:solidFill>
                   <a:schemeClr val="accent3"/>
                 </a:solidFill>
@@ -9231,28 +9137,28 @@
               <a:t>__() </a:t>
             </a:r>
             <a:r>
-              <a:rPr lang="en-US" sz="1600" dirty="0"/>
+              <a:rPr lang="en-US" dirty="0"/>
               <a:t>function overrides the inheritance of the parent's __</a:t>
             </a:r>
             <a:r>
-              <a:rPr lang="en-US" sz="1600" dirty="0" err="1"/>
+              <a:rPr lang="en-US" dirty="0" err="1"/>
               <a:t>init</a:t>
             </a:r>
             <a:r>
-              <a:rPr lang="en-US" sz="1600" dirty="0"/>
+              <a:rPr lang="en-US" dirty="0"/>
               <a:t>__() function.</a:t>
             </a:r>
           </a:p>
           <a:p>
-            <a:endParaRPr lang="en-US" sz="1600" dirty="0"/>
-          </a:p>
-          <a:p>
-            <a:r>
-              <a:rPr lang="en-US" sz="1600" dirty="0"/>
+            <a:endParaRPr lang="en-US" dirty="0"/>
+          </a:p>
+          <a:p>
+            <a:r>
+              <a:rPr lang="en-US" dirty="0"/>
               <a:t>To keep the inheritance of the parent's </a:t>
             </a:r>
             <a:r>
-              <a:rPr lang="en-US" sz="1600" dirty="0">
+              <a:rPr lang="en-US" dirty="0">
                 <a:solidFill>
                   <a:schemeClr val="accent3"/>
                 </a:solidFill>
@@ -9260,7 +9166,7 @@
               <a:t>__</a:t>
             </a:r>
             <a:r>
-              <a:rPr lang="en-US" sz="1600" dirty="0" err="1">
+              <a:rPr lang="en-US" dirty="0" err="1">
                 <a:solidFill>
                   <a:schemeClr val="accent3"/>
                 </a:solidFill>
@@ -9268,7 +9174,7 @@
               <a:t>init</a:t>
             </a:r>
             <a:r>
-              <a:rPr lang="en-US" sz="1600" dirty="0">
+              <a:rPr lang="en-US" dirty="0">
                 <a:solidFill>
                   <a:schemeClr val="accent3"/>
                 </a:solidFill>
@@ -9276,18 +9182,18 @@
               <a:t>__() </a:t>
             </a:r>
             <a:r>
-              <a:rPr lang="en-US" sz="1600" dirty="0"/>
+              <a:rPr lang="en-US" dirty="0"/>
               <a:t>function, add a call to the parent's __</a:t>
             </a:r>
             <a:r>
-              <a:rPr lang="en-US" sz="1600" dirty="0" err="1"/>
+              <a:rPr lang="en-US" dirty="0" err="1"/>
               <a:t>init</a:t>
             </a:r>
             <a:r>
-              <a:rPr lang="en-US" sz="1600" dirty="0"/>
+              <a:rPr lang="en-US" dirty="0"/>
               <a:t>__() function:</a:t>
             </a:r>
-            <a:endParaRPr lang="ru-RU" sz="1600" dirty="0"/>
+            <a:endParaRPr lang="ru-RU" dirty="0"/>
           </a:p>
           <a:p>
             <a:endParaRPr lang="en-US" sz="1600" dirty="0"/>
@@ -9316,7 +9222,7 @@
         </p:blipFill>
         <p:spPr>
           <a:xfrm>
-            <a:off x="764853" y="1930496"/>
+            <a:off x="734695" y="2084500"/>
             <a:ext cx="4897385" cy="1178464"/>
           </a:xfrm>
           <a:prstGeom prst="rect">
@@ -9346,7 +9252,7 @@
         </p:blipFill>
         <p:spPr>
           <a:xfrm>
-            <a:off x="764853" y="4749822"/>
+            <a:off x="250211" y="5436564"/>
             <a:ext cx="5478966" cy="1209018"/>
           </a:xfrm>
           <a:prstGeom prst="rect">
@@ -9376,7 +9282,7 @@
         </p:blipFill>
         <p:spPr>
           <a:xfrm>
-            <a:off x="6379770" y="4749822"/>
+            <a:off x="6239436" y="5456063"/>
             <a:ext cx="5217869" cy="1209018"/>
           </a:xfrm>
           <a:prstGeom prst="rect">
@@ -9523,7 +9429,7 @@
         <p:spPr>
           <a:xfrm>
             <a:off x="734695" y="1056792"/>
-            <a:ext cx="9129622" cy="9694962"/>
+            <a:ext cx="9129622" cy="10187404"/>
           </a:xfrm>
           <a:prstGeom prst="rect">
             <a:avLst/>
@@ -9537,35 +9443,35 @@
           <a:lstStyle/>
           <a:p>
             <a:r>
-              <a:rPr lang="en-US" sz="1600" dirty="0"/>
+              <a:rPr lang="en-US" sz="2000" dirty="0"/>
               <a:t>In Python, we can pass a variable number of arguments to a function using special symbols. There are two special symbols:</a:t>
             </a:r>
           </a:p>
           <a:p>
             <a:r>
-              <a:rPr lang="en-US" sz="1600" dirty="0"/>
-              <a:t>1.)*</a:t>
-            </a:r>
-            <a:r>
-              <a:rPr lang="en-US" sz="1600" dirty="0" err="1"/>
+              <a:rPr lang="en-US" sz="2000" dirty="0"/>
+              <a:t>1. *</a:t>
+            </a:r>
+            <a:r>
+              <a:rPr lang="en-US" sz="2000" dirty="0" err="1"/>
               <a:t>args</a:t>
             </a:r>
             <a:r>
-              <a:rPr lang="en-US" sz="1600" dirty="0"/>
+              <a:rPr lang="en-US" sz="2000" dirty="0"/>
               <a:t> (Non-Keyword Arguments)</a:t>
             </a:r>
           </a:p>
           <a:p>
             <a:r>
-              <a:rPr lang="en-US" sz="1600" dirty="0"/>
-              <a:t>2.)**</a:t>
-            </a:r>
-            <a:r>
-              <a:rPr lang="en-US" sz="1600" dirty="0" err="1"/>
+              <a:rPr lang="en-US" sz="2000" dirty="0"/>
+              <a:t>2. **</a:t>
+            </a:r>
+            <a:r>
+              <a:rPr lang="en-US" sz="2000" dirty="0" err="1"/>
               <a:t>kwargs</a:t>
             </a:r>
             <a:r>
-              <a:rPr lang="en-US" sz="1600" dirty="0"/>
+              <a:rPr lang="en-US" sz="2000" dirty="0"/>
               <a:t> (Keyword Arguments)</a:t>
             </a:r>
           </a:p>
@@ -9706,7 +9612,7 @@
         </p:blipFill>
         <p:spPr>
           <a:xfrm>
-            <a:off x="797955" y="2137145"/>
+            <a:off x="797955" y="2480839"/>
             <a:ext cx="5032243" cy="1630820"/>
           </a:xfrm>
           <a:prstGeom prst="rect">
@@ -9736,7 +9642,7 @@
         </p:blipFill>
         <p:spPr>
           <a:xfrm>
-            <a:off x="6193574" y="2137145"/>
+            <a:off x="6193574" y="2527417"/>
             <a:ext cx="1653683" cy="937341"/>
           </a:xfrm>
           <a:prstGeom prst="rect">
@@ -9766,7 +9672,7 @@
         </p:blipFill>
         <p:spPr>
           <a:xfrm>
-            <a:off x="797954" y="3986889"/>
+            <a:off x="797954" y="4330583"/>
             <a:ext cx="4490325" cy="1993630"/>
           </a:xfrm>
           <a:prstGeom prst="rect">
@@ -9796,7 +9702,7 @@
         </p:blipFill>
         <p:spPr>
           <a:xfrm>
-            <a:off x="5930473" y="3986889"/>
+            <a:off x="5930473" y="4330583"/>
             <a:ext cx="2491956" cy="1112616"/>
           </a:xfrm>
           <a:prstGeom prst="rect">
@@ -9842,8 +9748,8 @@
         </p:nvSpPr>
         <p:spPr>
           <a:xfrm>
-            <a:off x="828435" y="356966"/>
-            <a:ext cx="10210800" cy="505267"/>
+            <a:off x="616945" y="350375"/>
+            <a:ext cx="10210800" cy="628377"/>
           </a:xfrm>
           <a:prstGeom prst="rect">
             <a:avLst/>
@@ -9871,7 +9777,7 @@
           </a:lstStyle>
           <a:p>
             <a:r>
-              <a:rPr lang="en-US" dirty="0"/>
+              <a:rPr lang="en-US" sz="4000" dirty="0"/>
               <a:t>Python - Iterator</a:t>
             </a:r>
           </a:p>
@@ -9926,8 +9832,8 @@
         </p:nvSpPr>
         <p:spPr>
           <a:xfrm>
-            <a:off x="828434" y="1295400"/>
-            <a:ext cx="10210799" cy="3693319"/>
+            <a:off x="616945" y="1295400"/>
+            <a:ext cx="11237204" cy="5262979"/>
           </a:xfrm>
           <a:prstGeom prst="rect">
             <a:avLst/>
@@ -9941,29 +9847,29 @@
           <a:lstStyle/>
           <a:p>
             <a:r>
-              <a:rPr lang="en-US" dirty="0"/>
+              <a:rPr lang="en-US" sz="2400" dirty="0"/>
               <a:t>iterators are everywhere in Python. They are elegantly implemented within for loops, comprehensions, generators etc. but are hidden in plain sight.</a:t>
             </a:r>
           </a:p>
           <a:p>
-            <a:endParaRPr lang="en-US" dirty="0"/>
-          </a:p>
-          <a:p>
-            <a:r>
-              <a:rPr lang="en-US" dirty="0"/>
+            <a:endParaRPr lang="en-US" sz="2400" dirty="0"/>
+          </a:p>
+          <a:p>
+            <a:r>
+              <a:rPr lang="en-US" sz="2400" dirty="0"/>
               <a:t>Iterator in Python is simply an object that can be iterated upon. An object which will return data, one element at a time.</a:t>
             </a:r>
           </a:p>
           <a:p>
-            <a:endParaRPr lang="en-US" dirty="0"/>
-          </a:p>
-          <a:p>
-            <a:r>
-              <a:rPr lang="en-US" dirty="0"/>
+            <a:endParaRPr lang="en-US" sz="2400" dirty="0"/>
+          </a:p>
+          <a:p>
+            <a:r>
+              <a:rPr lang="en-US" sz="2400" dirty="0"/>
               <a:t>Technically speaking, a Python iterator object must implement two special methods, </a:t>
             </a:r>
             <a:r>
-              <a:rPr lang="en-US" dirty="0">
+              <a:rPr lang="en-US" sz="2400" dirty="0">
                 <a:solidFill>
                   <a:schemeClr val="accent3"/>
                 </a:solidFill>
@@ -9971,11 +9877,11 @@
               <a:t>__iter__() </a:t>
             </a:r>
             <a:r>
-              <a:rPr lang="en-US" dirty="0"/>
+              <a:rPr lang="en-US" sz="2400" dirty="0"/>
               <a:t>and </a:t>
             </a:r>
             <a:r>
-              <a:rPr lang="en-US" dirty="0">
+              <a:rPr lang="en-US" sz="2400" dirty="0">
                 <a:solidFill>
                   <a:schemeClr val="accent3"/>
                 </a:solidFill>
@@ -9983,29 +9889,29 @@
               <a:t>__next__(), </a:t>
             </a:r>
             <a:r>
-              <a:rPr lang="en-US" dirty="0"/>
+              <a:rPr lang="en-US" sz="2400" dirty="0"/>
               <a:t>collectively called the iterator protocol.</a:t>
             </a:r>
           </a:p>
           <a:p>
-            <a:endParaRPr lang="en-US" dirty="0"/>
-          </a:p>
-          <a:p>
-            <a:r>
-              <a:rPr lang="en-US" dirty="0"/>
+            <a:endParaRPr lang="en-US" sz="2400" dirty="0"/>
+          </a:p>
+          <a:p>
+            <a:r>
+              <a:rPr lang="en-US" sz="2400" dirty="0"/>
               <a:t>An object is called iterable if we can get an iterator from it. Most built-in containers in Python like: list, tuple, string etc. are iterables.</a:t>
             </a:r>
           </a:p>
           <a:p>
-            <a:endParaRPr lang="en-US" dirty="0"/>
-          </a:p>
-          <a:p>
-            <a:r>
-              <a:rPr lang="en-US" dirty="0"/>
+            <a:endParaRPr lang="en-US" sz="2400" dirty="0"/>
+          </a:p>
+          <a:p>
+            <a:r>
+              <a:rPr lang="en-US" sz="2400" dirty="0"/>
               <a:t>The iter() function (which in turn calls the </a:t>
             </a:r>
             <a:r>
-              <a:rPr lang="en-US" dirty="0">
+              <a:rPr lang="en-US" sz="2400" dirty="0">
                 <a:solidFill>
                   <a:schemeClr val="accent3"/>
                 </a:solidFill>
@@ -10013,7 +9919,7 @@
               <a:t>__iter__() </a:t>
             </a:r>
             <a:r>
-              <a:rPr lang="en-US" dirty="0"/>
+              <a:rPr lang="en-US" sz="2400" dirty="0"/>
               <a:t>method) returns an iterator from them.</a:t>
             </a:r>
           </a:p>
@@ -10094,41 +10000,6 @@
       </p:sp>
       <p:sp>
         <p:nvSpPr>
-          <p:cNvPr id="8" name="object 3">
-            <a:extLst>
-              <a:ext uri="{FF2B5EF4-FFF2-40B4-BE49-F238E27FC236}">
-                <a16:creationId xmlns:a16="http://schemas.microsoft.com/office/drawing/2014/main" id="{F616E044-87B4-4BFF-A22F-890CA709EC6C}"/>
-              </a:ext>
-            </a:extLst>
-          </p:cNvPr>
-          <p:cNvSpPr txBox="1"/>
-          <p:nvPr/>
-        </p:nvSpPr>
-        <p:spPr>
-          <a:xfrm>
-            <a:off x="2895600" y="609600"/>
-            <a:ext cx="8561705" cy="228268"/>
-          </a:xfrm>
-          <a:prstGeom prst="rect">
-            <a:avLst/>
-          </a:prstGeom>
-        </p:spPr>
-        <p:txBody>
-          <a:bodyPr vert="horz" wrap="square" lIns="0" tIns="12700" rIns="0" bIns="0" rtlCol="0">
-            <a:spAutoFit/>
-          </a:bodyPr>
-          <a:lstStyle/>
-          <a:p>
-            <a:pPr algn="l" fontAlgn="base"/>
-            <a:endParaRPr lang="en-US" sz="1400" b="1" i="0" dirty="0">
-              <a:effectLst/>
-              <a:latin typeface="var(--font-din)"/>
-            </a:endParaRPr>
-          </a:p>
-        </p:txBody>
-      </p:sp>
-      <p:sp>
-        <p:nvSpPr>
           <p:cNvPr id="10" name="תיבת טקסט 9">
             <a:extLst>
               <a:ext uri="{FF2B5EF4-FFF2-40B4-BE49-F238E27FC236}">
@@ -10141,8 +10012,8 @@
         </p:nvSpPr>
         <p:spPr>
           <a:xfrm>
-            <a:off x="825260" y="1114867"/>
-            <a:ext cx="9568420" cy="1231106"/>
+            <a:off x="825259" y="1114867"/>
+            <a:ext cx="10797535" cy="1631216"/>
           </a:xfrm>
           <a:prstGeom prst="rect">
             <a:avLst/>
@@ -10156,21 +10027,21 @@
           <a:lstStyle/>
           <a:p>
             <a:r>
-              <a:rPr lang="en-US" sz="2000" b="1" dirty="0"/>
+              <a:rPr lang="en-US" sz="2800" b="1" dirty="0"/>
               <a:t>Iterating Through an Iterator</a:t>
             </a:r>
           </a:p>
           <a:p>
             <a:r>
-              <a:rPr lang="en-US" dirty="0"/>
+              <a:rPr lang="en-US" sz="2400" dirty="0"/>
               <a:t>We use the next() function to manually iterate through all the items of an iterator. When we reach the end and there is no more data to be returned, it will raise the </a:t>
             </a:r>
             <a:r>
-              <a:rPr lang="en-US" dirty="0" err="1"/>
+              <a:rPr lang="en-US" sz="2400" dirty="0" err="1"/>
               <a:t>StopIteration</a:t>
             </a:r>
             <a:r>
-              <a:rPr lang="en-US" dirty="0"/>
+              <a:rPr lang="en-US" sz="2400" dirty="0"/>
               <a:t> Exception. Following is an example.</a:t>
             </a:r>
           </a:p>
@@ -10198,7 +10069,7 @@
         </p:blipFill>
         <p:spPr>
           <a:xfrm>
-            <a:off x="825260" y="2666728"/>
+            <a:off x="825260" y="2972714"/>
             <a:ext cx="3515910" cy="3885286"/>
           </a:xfrm>
           <a:prstGeom prst="rect">
@@ -10228,7 +10099,7 @@
         </p:blipFill>
         <p:spPr>
           <a:xfrm>
-            <a:off x="4833433" y="2666728"/>
+            <a:off x="4833433" y="3074352"/>
             <a:ext cx="3901778" cy="2141406"/>
           </a:xfrm>
           <a:prstGeom prst="rect">
@@ -10274,7 +10145,7 @@
         </p:nvSpPr>
         <p:spPr>
           <a:xfrm>
-            <a:off x="825260" y="347841"/>
+            <a:off x="734695" y="151918"/>
             <a:ext cx="10210800" cy="505267"/>
           </a:xfrm>
           <a:prstGeom prst="rect">
@@ -10358,8 +10229,8 @@
         </p:nvSpPr>
         <p:spPr>
           <a:xfrm>
-            <a:off x="825260" y="960120"/>
-            <a:ext cx="9129622" cy="7232749"/>
+            <a:off x="734695" y="758437"/>
+            <a:ext cx="9129622" cy="7448193"/>
           </a:xfrm>
           <a:prstGeom prst="rect">
             <a:avLst/>
@@ -10373,21 +10244,21 @@
           <a:lstStyle/>
           <a:p>
             <a:r>
-              <a:rPr lang="en-US" sz="1600" dirty="0"/>
+              <a:rPr lang="en-US" dirty="0"/>
               <a:t>Iterating Through an Iterator</a:t>
             </a:r>
           </a:p>
           <a:p>
             <a:r>
-              <a:rPr lang="en-US" sz="1600" dirty="0"/>
+              <a:rPr lang="en-US" dirty="0"/>
               <a:t>We use the next() function to manually iterate through all the items of an iterator. When we reach the end and there is no more data to be returned, it will raise the </a:t>
             </a:r>
             <a:r>
-              <a:rPr lang="en-US" sz="1600" dirty="0" err="1"/>
+              <a:rPr lang="en-US" dirty="0" err="1"/>
               <a:t>StopIteration</a:t>
             </a:r>
             <a:r>
-              <a:rPr lang="en-US" sz="1600" dirty="0"/>
+              <a:rPr lang="en-US" dirty="0"/>
               <a:t> Exception. Following is an example.</a:t>
             </a:r>
           </a:p>
@@ -10441,19 +10312,19 @@
           </a:p>
           <a:p>
             <a:r>
-              <a:rPr lang="en-US" sz="1600" dirty="0"/>
+              <a:rPr lang="en-US" dirty="0"/>
               <a:t>A more elegant way of automatically iterating is by using the for loop. </a:t>
             </a:r>
           </a:p>
           <a:p>
             <a:r>
-              <a:rPr lang="en-US" sz="1600" dirty="0"/>
+              <a:rPr lang="en-US" dirty="0"/>
               <a:t>Using this, we can iterate over any object that can return an iterator, </a:t>
             </a:r>
           </a:p>
           <a:p>
             <a:r>
-              <a:rPr lang="en-US" sz="1600" dirty="0"/>
+              <a:rPr lang="en-US" dirty="0"/>
               <a:t>for example list, string, file etc.</a:t>
             </a:r>
           </a:p>
@@ -10499,8 +10370,8 @@
         </p:blipFill>
         <p:spPr>
           <a:xfrm>
-            <a:off x="934478" y="2017794"/>
-            <a:ext cx="3124200" cy="3452424"/>
+            <a:off x="934477" y="2017794"/>
+            <a:ext cx="3340067" cy="3690970"/>
           </a:xfrm>
           <a:prstGeom prst="rect">
             <a:avLst/>
@@ -10530,7 +10401,7 @@
         <p:spPr>
           <a:xfrm>
             <a:off x="4424060" y="2017794"/>
-            <a:ext cx="3901778" cy="2141406"/>
+            <a:ext cx="4091870" cy="2245734"/>
           </a:xfrm>
           <a:prstGeom prst="rect">
             <a:avLst/>
@@ -10559,8 +10430,8 @@
         </p:blipFill>
         <p:spPr>
           <a:xfrm>
-            <a:off x="7686694" y="4931748"/>
-            <a:ext cx="3074118" cy="1665147"/>
+            <a:off x="8325837" y="4538949"/>
+            <a:ext cx="3575559" cy="1936761"/>
           </a:xfrm>
           <a:prstGeom prst="rect">
             <a:avLst/>
@@ -10955,7 +10826,7 @@
         </p:nvSpPr>
         <p:spPr>
           <a:xfrm>
-            <a:off x="734695" y="218467"/>
+            <a:off x="315905" y="218467"/>
             <a:ext cx="10210800" cy="505267"/>
           </a:xfrm>
           <a:prstGeom prst="rect">
@@ -11039,8 +10910,8 @@
         </p:nvSpPr>
         <p:spPr>
           <a:xfrm>
-            <a:off x="734696" y="1229001"/>
-            <a:ext cx="3616968" cy="15358050"/>
+            <a:off x="315905" y="866030"/>
+            <a:ext cx="3616968" cy="17820263"/>
           </a:xfrm>
           <a:prstGeom prst="rect">
             <a:avLst/>
@@ -11054,11 +10925,11 @@
           <a:lstStyle/>
           <a:p>
             <a:r>
-              <a:rPr lang="en-US" sz="1600" dirty="0"/>
+              <a:rPr lang="en-US" dirty="0"/>
               <a:t>Building an iterator from scratch is easy in Python. We just have to implement the </a:t>
             </a:r>
             <a:r>
-              <a:rPr lang="en-US" sz="1600" dirty="0">
+              <a:rPr lang="en-US" dirty="0">
                 <a:solidFill>
                   <a:schemeClr val="accent6">
                     <a:lumMod val="75000"/>
@@ -11068,11 +10939,11 @@
               <a:t>__iter__() </a:t>
             </a:r>
             <a:r>
-              <a:rPr lang="en-US" sz="1600" dirty="0"/>
+              <a:rPr lang="en-US" dirty="0"/>
               <a:t>and the </a:t>
             </a:r>
             <a:r>
-              <a:rPr lang="en-US" sz="1600" dirty="0">
+              <a:rPr lang="en-US" dirty="0">
                 <a:solidFill>
                   <a:schemeClr val="accent6">
                     <a:lumMod val="75000"/>
@@ -11082,20 +10953,20 @@
               <a:t>__next__() </a:t>
             </a:r>
             <a:r>
-              <a:rPr lang="en-US" sz="1600" dirty="0"/>
+              <a:rPr lang="en-US" dirty="0"/>
               <a:t>methods.</a:t>
             </a:r>
           </a:p>
           <a:p>
-            <a:endParaRPr lang="en-US" sz="1600" dirty="0"/>
-          </a:p>
-          <a:p>
-            <a:r>
-              <a:rPr lang="en-US" sz="1600" dirty="0"/>
+            <a:endParaRPr lang="en-US" dirty="0"/>
+          </a:p>
+          <a:p>
+            <a:r>
+              <a:rPr lang="en-US" dirty="0"/>
               <a:t>The </a:t>
             </a:r>
             <a:r>
-              <a:rPr lang="en-US" sz="1600" dirty="0">
+              <a:rPr lang="en-US" dirty="0">
                 <a:solidFill>
                   <a:schemeClr val="accent6">
                     <a:lumMod val="75000"/>
@@ -11105,17 +10976,17 @@
               <a:t>__iter__()</a:t>
             </a:r>
             <a:r>
-              <a:rPr lang="en-US" sz="1600" dirty="0"/>
+              <a:rPr lang="en-US" dirty="0"/>
               <a:t> method returns the iterator object itself. If required, some initialization can be performed.</a:t>
             </a:r>
           </a:p>
           <a:p>
             <a:r>
-              <a:rPr lang="en-US" sz="1600" dirty="0"/>
+              <a:rPr lang="en-US" dirty="0"/>
               <a:t>The </a:t>
             </a:r>
             <a:r>
-              <a:rPr lang="en-US" sz="1600" dirty="0">
+              <a:rPr lang="en-US" dirty="0">
                 <a:solidFill>
                   <a:schemeClr val="accent6">
                     <a:lumMod val="75000"/>
@@ -11125,158 +10996,158 @@
               <a:t>__next__() </a:t>
             </a:r>
             <a:r>
-              <a:rPr lang="en-US" sz="1600" dirty="0"/>
+              <a:rPr lang="en-US" dirty="0"/>
               <a:t>method must return the next item in the sequence. On reaching the end, and in subsequent calls, it must raise </a:t>
             </a:r>
             <a:r>
-              <a:rPr lang="en-US" sz="1600" dirty="0" err="1"/>
+              <a:rPr lang="en-US" dirty="0" err="1"/>
               <a:t>StopIteration</a:t>
             </a:r>
             <a:r>
-              <a:rPr lang="en-US" sz="1600" dirty="0"/>
+              <a:rPr lang="en-US" dirty="0"/>
               <a:t>.</a:t>
             </a:r>
           </a:p>
           <a:p>
-            <a:endParaRPr lang="en-US" sz="1600" dirty="0"/>
-          </a:p>
-          <a:p>
-            <a:endParaRPr lang="en-US" sz="1600" dirty="0"/>
-          </a:p>
-          <a:p>
-            <a:r>
-              <a:rPr lang="en-US" sz="1600" dirty="0"/>
+            <a:endParaRPr lang="en-US" dirty="0"/>
+          </a:p>
+          <a:p>
+            <a:endParaRPr lang="en-US" dirty="0"/>
+          </a:p>
+          <a:p>
+            <a:r>
+              <a:rPr lang="en-US" dirty="0"/>
               <a:t>Here, we show an example that will give us the next power of 2 in each iteration. Power exponent starts from zero up to a user set number.</a:t>
             </a:r>
           </a:p>
           <a:p>
-            <a:endParaRPr lang="en-US" sz="1600" dirty="0"/>
-          </a:p>
-          <a:p>
-            <a:endParaRPr lang="en-US" sz="1600" dirty="0"/>
-          </a:p>
-          <a:p>
-            <a:endParaRPr lang="en-US" sz="1600" dirty="0"/>
-          </a:p>
-          <a:p>
-            <a:endParaRPr lang="en-US" sz="1600" dirty="0"/>
-          </a:p>
-          <a:p>
-            <a:endParaRPr lang="en-US" sz="1600" dirty="0"/>
-          </a:p>
-          <a:p>
-            <a:endParaRPr lang="en-US" sz="1600" dirty="0"/>
-          </a:p>
-          <a:p>
-            <a:endParaRPr lang="en-US" sz="1600" dirty="0"/>
-          </a:p>
-          <a:p>
-            <a:endParaRPr lang="en-US" sz="1600" dirty="0"/>
-          </a:p>
-          <a:p>
-            <a:endParaRPr lang="en-US" sz="1600" dirty="0"/>
-          </a:p>
-          <a:p>
-            <a:endParaRPr lang="en-US" sz="1600" dirty="0"/>
-          </a:p>
-          <a:p>
-            <a:endParaRPr lang="en-US" sz="1600" dirty="0"/>
-          </a:p>
-          <a:p>
-            <a:endParaRPr lang="en-US" sz="1600" dirty="0"/>
-          </a:p>
-          <a:p>
-            <a:endParaRPr lang="en-US" sz="1600" dirty="0"/>
-          </a:p>
-          <a:p>
-            <a:endParaRPr lang="en-US" sz="1600" dirty="0"/>
-          </a:p>
-          <a:p>
-            <a:endParaRPr lang="en-US" sz="1600" dirty="0"/>
-          </a:p>
-          <a:p>
-            <a:endParaRPr lang="en-US" sz="1600" dirty="0"/>
-          </a:p>
-          <a:p>
-            <a:endParaRPr lang="en-US" sz="1600" dirty="0"/>
-          </a:p>
-          <a:p>
-            <a:endParaRPr lang="en-US" sz="1600" dirty="0"/>
-          </a:p>
-          <a:p>
-            <a:endParaRPr lang="en-US" sz="1600" dirty="0"/>
-          </a:p>
-          <a:p>
-            <a:endParaRPr lang="en-US" sz="1600" dirty="0"/>
-          </a:p>
-          <a:p>
-            <a:endParaRPr lang="en-US" sz="1600" dirty="0"/>
-          </a:p>
-          <a:p>
-            <a:endParaRPr lang="en-US" sz="1600" dirty="0"/>
-          </a:p>
-          <a:p>
-            <a:endParaRPr lang="en-US" sz="1600" dirty="0"/>
-          </a:p>
-          <a:p>
-            <a:endParaRPr lang="en-US" sz="1600" dirty="0"/>
-          </a:p>
-          <a:p>
-            <a:endParaRPr lang="en-US" sz="1600" dirty="0"/>
-          </a:p>
-          <a:p>
-            <a:endParaRPr lang="en-US" sz="1600" dirty="0"/>
-          </a:p>
-          <a:p>
-            <a:endParaRPr lang="en-US" sz="1600" dirty="0"/>
-          </a:p>
-          <a:p>
-            <a:endParaRPr lang="en-US" sz="1600" dirty="0"/>
-          </a:p>
-          <a:p>
-            <a:endParaRPr lang="en-US" sz="1600" dirty="0"/>
-          </a:p>
-          <a:p>
-            <a:endParaRPr lang="en-US" sz="1600" dirty="0"/>
-          </a:p>
-          <a:p>
-            <a:endParaRPr lang="en-US" sz="1600" dirty="0"/>
-          </a:p>
-          <a:p>
-            <a:endParaRPr lang="en-US" sz="1600" dirty="0"/>
-          </a:p>
-          <a:p>
-            <a:endParaRPr lang="en-US" sz="1600" dirty="0"/>
-          </a:p>
-          <a:p>
-            <a:endParaRPr lang="en-US" sz="1600" dirty="0"/>
-          </a:p>
-          <a:p>
-            <a:endParaRPr lang="en-US" sz="1600" dirty="0"/>
-          </a:p>
-          <a:p>
-            <a:endParaRPr lang="en-US" sz="1600" dirty="0"/>
-          </a:p>
-          <a:p>
-            <a:endParaRPr lang="en-US" sz="1600" dirty="0"/>
-          </a:p>
-          <a:p>
-            <a:endParaRPr lang="en-US" sz="1600" dirty="0"/>
-          </a:p>
-          <a:p>
-            <a:endParaRPr lang="en-US" sz="1600" dirty="0"/>
-          </a:p>
-          <a:p>
-            <a:endParaRPr lang="en-US" sz="1600" dirty="0"/>
-          </a:p>
-          <a:p>
-            <a:endParaRPr lang="en-US" sz="1600" dirty="0"/>
-          </a:p>
-          <a:p>
-            <a:endParaRPr lang="en-US" sz="1600" dirty="0"/>
-          </a:p>
-          <a:p>
-            <a:endParaRPr lang="en-US" sz="1600" dirty="0"/>
+            <a:endParaRPr lang="en-US" dirty="0"/>
+          </a:p>
+          <a:p>
+            <a:endParaRPr lang="en-US" dirty="0"/>
+          </a:p>
+          <a:p>
+            <a:endParaRPr lang="en-US" dirty="0"/>
+          </a:p>
+          <a:p>
+            <a:endParaRPr lang="en-US" dirty="0"/>
+          </a:p>
+          <a:p>
+            <a:endParaRPr lang="en-US" dirty="0"/>
+          </a:p>
+          <a:p>
+            <a:endParaRPr lang="en-US" dirty="0"/>
+          </a:p>
+          <a:p>
+            <a:endParaRPr lang="en-US" dirty="0"/>
+          </a:p>
+          <a:p>
+            <a:endParaRPr lang="en-US" dirty="0"/>
+          </a:p>
+          <a:p>
+            <a:endParaRPr lang="en-US" dirty="0"/>
+          </a:p>
+          <a:p>
+            <a:endParaRPr lang="en-US" dirty="0"/>
+          </a:p>
+          <a:p>
+            <a:endParaRPr lang="en-US" dirty="0"/>
+          </a:p>
+          <a:p>
+            <a:endParaRPr lang="en-US" dirty="0"/>
+          </a:p>
+          <a:p>
+            <a:endParaRPr lang="en-US" dirty="0"/>
+          </a:p>
+          <a:p>
+            <a:endParaRPr lang="en-US" dirty="0"/>
+          </a:p>
+          <a:p>
+            <a:endParaRPr lang="en-US" dirty="0"/>
+          </a:p>
+          <a:p>
+            <a:endParaRPr lang="en-US" dirty="0"/>
+          </a:p>
+          <a:p>
+            <a:endParaRPr lang="en-US" dirty="0"/>
+          </a:p>
+          <a:p>
+            <a:endParaRPr lang="en-US" dirty="0"/>
+          </a:p>
+          <a:p>
+            <a:endParaRPr lang="en-US" dirty="0"/>
+          </a:p>
+          <a:p>
+            <a:endParaRPr lang="en-US" dirty="0"/>
+          </a:p>
+          <a:p>
+            <a:endParaRPr lang="en-US" dirty="0"/>
+          </a:p>
+          <a:p>
+            <a:endParaRPr lang="en-US" dirty="0"/>
+          </a:p>
+          <a:p>
+            <a:endParaRPr lang="en-US" dirty="0"/>
+          </a:p>
+          <a:p>
+            <a:endParaRPr lang="en-US" dirty="0"/>
+          </a:p>
+          <a:p>
+            <a:endParaRPr lang="en-US" dirty="0"/>
+          </a:p>
+          <a:p>
+            <a:endParaRPr lang="en-US" dirty="0"/>
+          </a:p>
+          <a:p>
+            <a:endParaRPr lang="en-US" dirty="0"/>
+          </a:p>
+          <a:p>
+            <a:endParaRPr lang="en-US" dirty="0"/>
+          </a:p>
+          <a:p>
+            <a:endParaRPr lang="en-US" dirty="0"/>
+          </a:p>
+          <a:p>
+            <a:endParaRPr lang="en-US" dirty="0"/>
+          </a:p>
+          <a:p>
+            <a:endParaRPr lang="en-US" dirty="0"/>
+          </a:p>
+          <a:p>
+            <a:endParaRPr lang="en-US" dirty="0"/>
+          </a:p>
+          <a:p>
+            <a:endParaRPr lang="en-US" dirty="0"/>
+          </a:p>
+          <a:p>
+            <a:endParaRPr lang="en-US" dirty="0"/>
+          </a:p>
+          <a:p>
+            <a:endParaRPr lang="en-US" dirty="0"/>
+          </a:p>
+          <a:p>
+            <a:endParaRPr lang="en-US" dirty="0"/>
+          </a:p>
+          <a:p>
+            <a:endParaRPr lang="en-US" dirty="0"/>
+          </a:p>
+          <a:p>
+            <a:endParaRPr lang="en-US" dirty="0"/>
+          </a:p>
+          <a:p>
+            <a:endParaRPr lang="en-US" dirty="0"/>
+          </a:p>
+          <a:p>
+            <a:endParaRPr lang="en-US" dirty="0"/>
+          </a:p>
+          <a:p>
+            <a:endParaRPr lang="en-US" dirty="0"/>
+          </a:p>
+          <a:p>
+            <a:endParaRPr lang="en-US" dirty="0"/>
+          </a:p>
+          <a:p>
+            <a:endParaRPr lang="en-US" dirty="0"/>
           </a:p>
         </p:txBody>
       </p:sp>
@@ -11302,8 +11173,8 @@
         </p:blipFill>
         <p:spPr>
           <a:xfrm>
-            <a:off x="4653140" y="1008184"/>
-            <a:ext cx="3995101" cy="5631349"/>
+            <a:off x="4538950" y="847226"/>
+            <a:ext cx="4109292" cy="5792308"/>
           </a:xfrm>
           <a:prstGeom prst="rect">
             <a:avLst/>
@@ -11332,8 +11203,8 @@
         </p:blipFill>
         <p:spPr>
           <a:xfrm>
-            <a:off x="8949716" y="4560984"/>
-            <a:ext cx="2926379" cy="2078550"/>
+            <a:off x="8954941" y="4406746"/>
+            <a:ext cx="3143528" cy="2232787"/>
           </a:xfrm>
           <a:prstGeom prst="rect">
             <a:avLst/>
@@ -11378,7 +11249,7 @@
         </p:nvSpPr>
         <p:spPr>
           <a:xfrm>
-            <a:off x="734695" y="356966"/>
+            <a:off x="489482" y="326010"/>
             <a:ext cx="10210800" cy="505267"/>
           </a:xfrm>
           <a:prstGeom prst="rect">
@@ -11462,8 +11333,8 @@
         </p:nvSpPr>
         <p:spPr>
           <a:xfrm>
-            <a:off x="692223" y="1090502"/>
-            <a:ext cx="9129622" cy="2062103"/>
+            <a:off x="378479" y="1114867"/>
+            <a:ext cx="10567016" cy="2554545"/>
           </a:xfrm>
           <a:prstGeom prst="rect">
             <a:avLst/>
@@ -11477,32 +11348,32 @@
           <a:lstStyle/>
           <a:p>
             <a:r>
-              <a:rPr lang="en-US" sz="1600" dirty="0"/>
+              <a:rPr lang="en-US" sz="2000" dirty="0"/>
               <a:t>It is not necessary that the item in an iterator object has to be exhausted. There can be infinite iterators (which never ends). We must be careful when handling such iterators.</a:t>
             </a:r>
           </a:p>
           <a:p>
-            <a:endParaRPr lang="en-US" sz="1600" dirty="0"/>
-          </a:p>
-          <a:p>
-            <a:r>
-              <a:rPr lang="en-US" sz="1600" dirty="0"/>
+            <a:endParaRPr lang="en-US" sz="2000" dirty="0"/>
+          </a:p>
+          <a:p>
+            <a:r>
+              <a:rPr lang="en-US" sz="2000" dirty="0"/>
               <a:t>Here is a simple example to demonstrate infinite iterators.</a:t>
             </a:r>
           </a:p>
           <a:p>
-            <a:endParaRPr lang="en-US" sz="1600" dirty="0"/>
-          </a:p>
-          <a:p>
-            <a:r>
-              <a:rPr lang="en-US" sz="1600" dirty="0"/>
+            <a:endParaRPr lang="en-US" sz="2000" dirty="0"/>
+          </a:p>
+          <a:p>
+            <a:r>
+              <a:rPr lang="en-US" sz="2000" dirty="0"/>
               <a:t>The built-in function iter() function can be called with two arguments where the first argument must be a callable object (function) and second is the sentinel. The iterator calls this function until the returned value is equal to the </a:t>
             </a:r>
             <a:r>
-              <a:rPr lang="en-US" sz="1600" dirty="0" err="1"/>
+              <a:rPr lang="en-US" sz="2000" dirty="0" err="1"/>
               <a:t>sentine</a:t>
             </a:r>
-            <a:endParaRPr lang="en-US" sz="1600" dirty="0"/>
+            <a:endParaRPr lang="en-US" sz="2000" dirty="0"/>
           </a:p>
         </p:txBody>
       </p:sp>
@@ -11528,8 +11399,8 @@
         </p:blipFill>
         <p:spPr>
           <a:xfrm>
-            <a:off x="797954" y="3435575"/>
-            <a:ext cx="3729075" cy="2581667"/>
+            <a:off x="489482" y="3855905"/>
+            <a:ext cx="3997162" cy="2767266"/>
           </a:xfrm>
           <a:prstGeom prst="rect">
             <a:avLst/>
@@ -11558,8 +11429,8 @@
         </p:blipFill>
         <p:spPr>
           <a:xfrm>
-            <a:off x="5457552" y="3428999"/>
-            <a:ext cx="2921950" cy="2184959"/>
+            <a:off x="5457552" y="4319637"/>
+            <a:ext cx="3080520" cy="2303534"/>
           </a:xfrm>
           <a:prstGeom prst="rect">
             <a:avLst/>
@@ -11689,7 +11560,7 @@
         <p:spPr>
           <a:xfrm>
             <a:off x="693173" y="1588632"/>
-            <a:ext cx="9796741" cy="2031325"/>
+            <a:ext cx="10858747" cy="3046988"/>
           </a:xfrm>
           <a:prstGeom prst="rect">
             <a:avLst/>
@@ -11703,39 +11574,39 @@
           <a:lstStyle/>
           <a:p>
             <a:r>
-              <a:rPr lang="en-US" dirty="0"/>
+              <a:rPr lang="en-US" sz="2400" dirty="0"/>
               <a:t>To create a new file in Python, use the open() method, with one of the following parameters:</a:t>
             </a:r>
           </a:p>
           <a:p>
-            <a:endParaRPr lang="en-US" dirty="0"/>
-          </a:p>
-          <a:p>
-            <a:r>
-              <a:rPr lang="en-US" dirty="0"/>
+            <a:endParaRPr lang="en-US" sz="2400" dirty="0"/>
+          </a:p>
+          <a:p>
+            <a:r>
+              <a:rPr lang="en-US" sz="2400" dirty="0"/>
               <a:t>"x" - Create - will create a file, returns an error if the file exist</a:t>
             </a:r>
           </a:p>
           <a:p>
             <a:r>
-              <a:rPr lang="en-US" dirty="0"/>
+              <a:rPr lang="en-US" sz="2400" dirty="0"/>
               <a:t>"a" - Append - will create a file if the specified file does not exist</a:t>
             </a:r>
           </a:p>
           <a:p>
             <a:r>
-              <a:rPr lang="en-US" dirty="0"/>
+              <a:rPr lang="en-US" sz="2400" dirty="0"/>
               <a:t>"w" - Write - will create a file if the specified file does not exist</a:t>
             </a:r>
           </a:p>
           <a:p>
             <a:r>
-              <a:rPr lang="en-US" dirty="0"/>
+              <a:rPr lang="en-US" sz="2400" dirty="0"/>
               <a:t>“r” – read – will open a file, returns an error if the file does not exist</a:t>
             </a:r>
           </a:p>
           <a:p>
-            <a:endParaRPr lang="en-US" dirty="0"/>
+            <a:endParaRPr lang="en-US" sz="2400" dirty="0"/>
           </a:p>
         </p:txBody>
       </p:sp>
@@ -11761,7 +11632,7 @@
         </p:blipFill>
         <p:spPr>
           <a:xfrm>
-            <a:off x="693173" y="4742112"/>
+            <a:off x="681113" y="4990405"/>
             <a:ext cx="4428974" cy="1257995"/>
           </a:xfrm>
           <a:prstGeom prst="rect">
@@ -11807,8 +11678,8 @@
         </p:nvSpPr>
         <p:spPr>
           <a:xfrm>
-            <a:off x="783617" y="235047"/>
-            <a:ext cx="10210800" cy="505267"/>
+            <a:off x="734695" y="260774"/>
+            <a:ext cx="10210800" cy="628377"/>
           </a:xfrm>
           <a:prstGeom prst="rect">
             <a:avLst/>
@@ -11836,11 +11707,11 @@
           </a:lstStyle>
           <a:p>
             <a:r>
-              <a:rPr lang="en-US" dirty="0" err="1"/>
+              <a:rPr lang="en-US" sz="4000" dirty="0" err="1"/>
               <a:t>Dict</a:t>
             </a:r>
             <a:r>
-              <a:rPr lang="en-US" dirty="0"/>
+              <a:rPr lang="en-US" sz="4000" dirty="0"/>
               <a:t> Sorting</a:t>
             </a:r>
           </a:p>
@@ -11895,8 +11766,8 @@
         </p:nvSpPr>
         <p:spPr>
           <a:xfrm>
-            <a:off x="734695" y="740314"/>
-            <a:ext cx="9129622" cy="6340197"/>
+            <a:off x="433633" y="1186694"/>
+            <a:ext cx="10812924" cy="6555641"/>
           </a:xfrm>
           <a:prstGeom prst="rect">
             <a:avLst/>
@@ -11910,106 +11781,71 @@
           <a:lstStyle/>
           <a:p>
             <a:r>
-              <a:rPr lang="en-US" sz="1400" dirty="0"/>
+              <a:rPr lang="en-US" sz="2000" dirty="0"/>
               <a:t>Here, we have an array called kids where the </a:t>
             </a:r>
             <a:r>
-              <a:rPr lang="en-US" sz="1400" dirty="0" err="1"/>
+              <a:rPr lang="en-US" sz="2000" dirty="0" err="1"/>
               <a:t>dict</a:t>
             </a:r>
             <a:r>
-              <a:rPr lang="en-US" sz="1400" dirty="0"/>
+              <a:rPr lang="en-US" sz="2000" dirty="0"/>
               <a:t> has name, score and age. Suppose we want to sort them by score, what should we do?</a:t>
             </a:r>
           </a:p>
           <a:p>
-            <a:endParaRPr lang="en-US" sz="1400" dirty="0"/>
-          </a:p>
-          <a:p>
-            <a:r>
-              <a:rPr lang="en-US" sz="1400" dirty="0"/>
+            <a:endParaRPr lang="en-US" sz="2000" dirty="0"/>
+          </a:p>
+          <a:p>
+            <a:endParaRPr lang="en-US" sz="2000" dirty="0"/>
+          </a:p>
+          <a:p>
+            <a:endParaRPr lang="en-US" sz="2000" dirty="0"/>
+          </a:p>
+          <a:p>
+            <a:endParaRPr lang="en-US" sz="2000" dirty="0"/>
+          </a:p>
+          <a:p>
+            <a:endParaRPr lang="en-US" sz="2000" dirty="0"/>
+          </a:p>
+          <a:p>
+            <a:endParaRPr lang="en-US" sz="2000" dirty="0"/>
+          </a:p>
+          <a:p>
+            <a:endParaRPr lang="en-US" sz="2000" dirty="0"/>
+          </a:p>
+          <a:p>
+            <a:r>
+              <a:rPr lang="en-US" sz="2000" dirty="0"/>
               <a:t>Here are several solutions to solve it, one common way is using anonymous function. The ‘sort’ function has an argument called ‘key’, we can pass a function to it to specify the field for ranking.</a:t>
             </a:r>
           </a:p>
           <a:p>
-            <a:endParaRPr lang="en-US" sz="1400" dirty="0"/>
-          </a:p>
-          <a:p>
-            <a:endParaRPr lang="en-US" sz="1400" dirty="0"/>
-          </a:p>
-          <a:p>
-            <a:endParaRPr lang="en-US" sz="1400" dirty="0"/>
-          </a:p>
-          <a:p>
-            <a:endParaRPr lang="en-US" sz="1400" dirty="0"/>
-          </a:p>
-          <a:p>
-            <a:endParaRPr lang="en-US" sz="1400" dirty="0"/>
-          </a:p>
-          <a:p>
-            <a:endParaRPr lang="en-US" sz="1400" dirty="0"/>
-          </a:p>
-          <a:p>
-            <a:endParaRPr lang="en-US" sz="1400" dirty="0"/>
-          </a:p>
-          <a:p>
-            <a:r>
-              <a:rPr lang="en-US" sz="1400" dirty="0"/>
-              <a:t>In the anonymous function, the ‘x’ represents the element in the array, and in this problem it’s a dict. So we can use </a:t>
-            </a:r>
-            <a:r>
-              <a:rPr lang="en-US" sz="1400" dirty="0" err="1"/>
-              <a:t>dict</a:t>
-            </a:r>
-            <a:r>
-              <a:rPr lang="en-US" sz="1400" dirty="0"/>
-              <a:t> access element method which is to use brackets to find the value of the corresponding field.</a:t>
-            </a:r>
-          </a:p>
-          <a:p>
-            <a:endParaRPr lang="he-IL" sz="1400" dirty="0"/>
-          </a:p>
-          <a:p>
-            <a:r>
-              <a:rPr lang="en-US" sz="1400" dirty="0"/>
-              <a:t>What if we want to sort them by multiple fields?</a:t>
-            </a:r>
-          </a:p>
-          <a:p>
-            <a:endParaRPr lang="en-US" sz="1400" dirty="0"/>
-          </a:p>
-          <a:p>
-            <a:endParaRPr lang="en-US" sz="1400" dirty="0"/>
-          </a:p>
-          <a:p>
-            <a:endParaRPr lang="en-US" sz="1400" dirty="0"/>
-          </a:p>
-          <a:p>
-            <a:endParaRPr lang="en-US" sz="1400" dirty="0"/>
-          </a:p>
-          <a:p>
-            <a:endParaRPr lang="en-US" sz="1400" dirty="0"/>
-          </a:p>
-          <a:p>
-            <a:r>
-              <a:rPr lang="en-US" sz="1400" dirty="0"/>
-              <a:t>Python also has its own libraries to solve this problem. The usage is very similar to that of anonymous functions and is a little easier to use.</a:t>
-            </a:r>
-          </a:p>
-          <a:p>
-            <a:endParaRPr lang="he-IL" sz="1400" dirty="0"/>
-          </a:p>
-          <a:p>
-            <a:endParaRPr lang="en-US" sz="1400" dirty="0"/>
-          </a:p>
-          <a:p>
-            <a:endParaRPr lang="en-US" sz="1400" dirty="0"/>
-          </a:p>
-          <a:p>
-            <a:endParaRPr lang="en-US" sz="1400" dirty="0"/>
-          </a:p>
-          <a:p>
-            <a:endParaRPr lang="en-US" sz="1400" dirty="0"/>
+            <a:endParaRPr lang="en-US" sz="2000" dirty="0"/>
+          </a:p>
+          <a:p>
+            <a:endParaRPr lang="en-US" sz="2000" dirty="0"/>
+          </a:p>
+          <a:p>
+            <a:endParaRPr lang="en-US" sz="2000" dirty="0"/>
+          </a:p>
+          <a:p>
+            <a:endParaRPr lang="en-US" sz="2000" dirty="0"/>
+          </a:p>
+          <a:p>
+            <a:endParaRPr lang="en-US" sz="2000" dirty="0"/>
+          </a:p>
+          <a:p>
+            <a:endParaRPr lang="he-IL" sz="2000" dirty="0"/>
+          </a:p>
+          <a:p>
+            <a:endParaRPr lang="he-IL" sz="2000" dirty="0"/>
+          </a:p>
+          <a:p>
+            <a:endParaRPr lang="en-US" sz="2000" dirty="0"/>
+          </a:p>
+          <a:p>
+            <a:endParaRPr lang="en-US" sz="2000" dirty="0"/>
           </a:p>
         </p:txBody>
       </p:sp>
@@ -12035,8 +11871,8 @@
         </p:blipFill>
         <p:spPr>
           <a:xfrm>
-            <a:off x="783617" y="1892465"/>
-            <a:ext cx="7483488" cy="1287892"/>
+            <a:off x="509833" y="2102326"/>
+            <a:ext cx="9231046" cy="1588643"/>
           </a:xfrm>
           <a:prstGeom prst="rect">
             <a:avLst/>
@@ -12045,10 +11881,10 @@
       </p:pic>
       <p:pic>
         <p:nvPicPr>
-          <p:cNvPr id="9" name="Picture 8">
+          <p:cNvPr id="3" name="Picture 8">
             <a:extLst>
               <a:ext uri="{FF2B5EF4-FFF2-40B4-BE49-F238E27FC236}">
-                <a16:creationId xmlns:a16="http://schemas.microsoft.com/office/drawing/2014/main" id="{E0274607-8489-4B79-B9CC-ADE003C7E52E}"/>
+                <a16:creationId xmlns:a16="http://schemas.microsoft.com/office/drawing/2014/main" id="{5D4A62AD-DACB-9E96-94E2-5B4BAB943D1E}"/>
               </a:ext>
             </a:extLst>
           </p:cNvPr>
@@ -12065,38 +11901,8 @@
         </p:blipFill>
         <p:spPr>
           <a:xfrm>
-            <a:off x="783617" y="4234954"/>
-            <a:ext cx="6165114" cy="845893"/>
-          </a:xfrm>
-          <a:prstGeom prst="rect">
-            <a:avLst/>
-          </a:prstGeom>
-        </p:spPr>
-      </p:pic>
-      <p:pic>
-        <p:nvPicPr>
-          <p:cNvPr id="13" name="Picture 12">
-            <a:extLst>
-              <a:ext uri="{FF2B5EF4-FFF2-40B4-BE49-F238E27FC236}">
-                <a16:creationId xmlns:a16="http://schemas.microsoft.com/office/drawing/2014/main" id="{6F59EF69-D3D7-49B3-A469-AFB9EBB937A3}"/>
-              </a:ext>
-            </a:extLst>
-          </p:cNvPr>
-          <p:cNvPicPr>
-            <a:picLocks noChangeAspect="1"/>
-          </p:cNvPicPr>
-          <p:nvPr/>
-        </p:nvPicPr>
-        <p:blipFill>
-          <a:blip r:embed="rId4"/>
-          <a:stretch>
-            <a:fillRect/>
-          </a:stretch>
-        </p:blipFill>
-        <p:spPr>
-          <a:xfrm>
-            <a:off x="783617" y="5982818"/>
-            <a:ext cx="5646909" cy="640135"/>
+            <a:off x="509833" y="5136780"/>
+            <a:ext cx="7352194" cy="1008768"/>
           </a:xfrm>
           <a:prstGeom prst="rect">
             <a:avLst/>
@@ -12121,7 +11927,13 @@
   <p:cSld>
     <p:spTree>
       <p:nvGrpSpPr>
-        <p:cNvPr id="1" name=""/>
+        <p:cNvPr id="1" name="">
+          <a:extLst>
+            <a:ext uri="{FF2B5EF4-FFF2-40B4-BE49-F238E27FC236}">
+              <a16:creationId xmlns:a16="http://schemas.microsoft.com/office/drawing/2014/main" id="{5B34E497-317D-325F-5272-831759F8B5E7}"/>
+            </a:ext>
+          </a:extLst>
+        </p:cNvPr>
         <p:cNvGrpSpPr/>
         <p:nvPr/>
       </p:nvGrpSpPr>
@@ -12135,14 +11947,20 @@
       </p:grpSpPr>
       <p:sp>
         <p:nvSpPr>
-          <p:cNvPr id="2" name="object 2"/>
+          <p:cNvPr id="2" name="object 2">
+            <a:extLst>
+              <a:ext uri="{FF2B5EF4-FFF2-40B4-BE49-F238E27FC236}">
+                <a16:creationId xmlns:a16="http://schemas.microsoft.com/office/drawing/2014/main" id="{EA130B6A-8BAE-8D20-BFDB-489B8139D4C7}"/>
+              </a:ext>
+            </a:extLst>
+          </p:cNvPr>
           <p:cNvSpPr txBox="1"/>
           <p:nvPr/>
         </p:nvSpPr>
         <p:spPr>
           <a:xfrm>
-            <a:off x="734695" y="280766"/>
-            <a:ext cx="10210800" cy="505267"/>
+            <a:off x="480654" y="181690"/>
+            <a:ext cx="3285803" cy="628377"/>
           </a:xfrm>
           <a:prstGeom prst="rect">
             <a:avLst/>
@@ -12170,18 +11988,22 @@
           </a:lstStyle>
           <a:p>
             <a:r>
-              <a:rPr lang="en-US" dirty="0"/>
-              <a:t>python comparator</a:t>
-            </a:r>
-          </a:p>
-        </p:txBody>
-      </p:sp>
-      <p:sp>
-        <p:nvSpPr>
-          <p:cNvPr id="8" name="object 3">
+              <a:rPr lang="en-US" sz="4000" dirty="0" err="1"/>
+              <a:t>Dict</a:t>
+            </a:r>
+            <a:r>
+              <a:rPr lang="en-US" sz="4000" dirty="0"/>
+              <a:t> Sorting</a:t>
+            </a:r>
+          </a:p>
+        </p:txBody>
+      </p:sp>
+      <p:sp>
+        <p:nvSpPr>
+          <p:cNvPr id="10" name="תיבת טקסט 9">
             <a:extLst>
               <a:ext uri="{FF2B5EF4-FFF2-40B4-BE49-F238E27FC236}">
-                <a16:creationId xmlns:a16="http://schemas.microsoft.com/office/drawing/2014/main" id="{F616E044-87B4-4BFF-A22F-890CA709EC6C}"/>
+                <a16:creationId xmlns:a16="http://schemas.microsoft.com/office/drawing/2014/main" id="{F0845051-DA2E-B615-3826-AAF9552C042A}"/>
               </a:ext>
             </a:extLst>
           </p:cNvPr>
@@ -12190,43 +12012,8 @@
         </p:nvSpPr>
         <p:spPr>
           <a:xfrm>
-            <a:off x="2895600" y="609600"/>
-            <a:ext cx="8561705" cy="228268"/>
-          </a:xfrm>
-          <a:prstGeom prst="rect">
-            <a:avLst/>
-          </a:prstGeom>
-        </p:spPr>
-        <p:txBody>
-          <a:bodyPr vert="horz" wrap="square" lIns="0" tIns="12700" rIns="0" bIns="0" rtlCol="0">
-            <a:spAutoFit/>
-          </a:bodyPr>
-          <a:lstStyle/>
-          <a:p>
-            <a:pPr algn="l" fontAlgn="base"/>
-            <a:endParaRPr lang="en-US" sz="1400" b="1" i="0" dirty="0">
-              <a:effectLst/>
-              <a:latin typeface="var(--font-din)"/>
-            </a:endParaRPr>
-          </a:p>
-        </p:txBody>
-      </p:sp>
-      <p:sp>
-        <p:nvSpPr>
-          <p:cNvPr id="10" name="תיבת טקסט 9">
-            <a:extLst>
-              <a:ext uri="{FF2B5EF4-FFF2-40B4-BE49-F238E27FC236}">
-                <a16:creationId xmlns:a16="http://schemas.microsoft.com/office/drawing/2014/main" id="{18AC4B54-B5F4-474E-9673-04DCF759462F}"/>
-              </a:ext>
-            </a:extLst>
-          </p:cNvPr>
-          <p:cNvSpPr txBox="1"/>
-          <p:nvPr/>
-        </p:nvSpPr>
-        <p:spPr>
-          <a:xfrm>
-            <a:off x="734695" y="1114867"/>
-            <a:ext cx="9129622" cy="6247864"/>
+            <a:off x="480654" y="951752"/>
+            <a:ext cx="10976651" cy="5601533"/>
           </a:xfrm>
           <a:prstGeom prst="rect">
             <a:avLst/>
@@ -12239,86 +12026,75 @@
           </a:bodyPr>
           <a:lstStyle/>
           <a:p>
-            <a:r>
-              <a:rPr lang="en-US" sz="1600" dirty="0"/>
-              <a:t>It converts a comparison function into a key function. The comparison function must return 1, -1 and 0 for different conditions. It can be used in key functions such as sorted(), min(), max().</a:t>
-            </a:r>
-            <a:endParaRPr lang="he-IL" sz="1600" dirty="0"/>
-          </a:p>
-          <a:p>
-            <a:endParaRPr lang="he-IL" sz="1600" dirty="0"/>
-          </a:p>
-          <a:p>
-            <a:endParaRPr lang="he-IL" sz="1600" dirty="0"/>
-          </a:p>
-          <a:p>
-            <a:endParaRPr lang="en-US" sz="1600" dirty="0"/>
-          </a:p>
-          <a:p>
-            <a:endParaRPr lang="en-US" sz="1600" dirty="0"/>
-          </a:p>
-          <a:p>
-            <a:endParaRPr lang="en-US" sz="1600" dirty="0"/>
-          </a:p>
-          <a:p>
-            <a:endParaRPr lang="en-US" sz="1600" dirty="0"/>
-          </a:p>
-          <a:p>
-            <a:endParaRPr lang="en-US" sz="1600" dirty="0"/>
-          </a:p>
-          <a:p>
-            <a:endParaRPr lang="en-US" sz="1600" dirty="0"/>
-          </a:p>
-          <a:p>
-            <a:endParaRPr lang="en-US" sz="1600" dirty="0"/>
-          </a:p>
-          <a:p>
-            <a:endParaRPr lang="en-US" sz="1600" dirty="0"/>
-          </a:p>
-          <a:p>
-            <a:endParaRPr lang="en-US" sz="1600" dirty="0"/>
-          </a:p>
-          <a:p>
-            <a:endParaRPr lang="en-US" sz="1600" dirty="0"/>
-          </a:p>
-          <a:p>
-            <a:endParaRPr lang="en-US" sz="1600" dirty="0"/>
-          </a:p>
-          <a:p>
-            <a:endParaRPr lang="en-US" sz="1600" dirty="0"/>
-          </a:p>
-          <a:p>
-            <a:endParaRPr lang="en-US" sz="1600" dirty="0"/>
-          </a:p>
-          <a:p>
-            <a:endParaRPr lang="en-US" sz="1600" dirty="0"/>
-          </a:p>
-          <a:p>
-            <a:endParaRPr lang="en-US" sz="1600" dirty="0"/>
-          </a:p>
-          <a:p>
-            <a:endParaRPr lang="en-US" sz="1600" dirty="0"/>
-          </a:p>
-          <a:p>
-            <a:endParaRPr lang="en-US" sz="1600" dirty="0"/>
-          </a:p>
-          <a:p>
-            <a:endParaRPr lang="en-US" sz="1600" dirty="0"/>
-          </a:p>
-          <a:p>
-            <a:endParaRPr lang="en-US" sz="1600" dirty="0"/>
-          </a:p>
-          <a:p>
-            <a:endParaRPr lang="en-US" sz="1600" dirty="0"/>
+            <a:endParaRPr lang="en-US" sz="2000" dirty="0"/>
+          </a:p>
+          <a:p>
+            <a:r>
+              <a:rPr lang="en-US" sz="2000" dirty="0"/>
+              <a:t>In the anonymous function, the ‘x’ represents the element in the array, and in this problem it’s a dict. So we can use </a:t>
+            </a:r>
+            <a:r>
+              <a:rPr lang="en-US" sz="2000" dirty="0" err="1"/>
+              <a:t>dict</a:t>
+            </a:r>
+            <a:r>
+              <a:rPr lang="en-US" sz="2000" dirty="0"/>
+              <a:t> access element method which is to use brackets to find the value of the corresponding field.</a:t>
+            </a:r>
+          </a:p>
+          <a:p>
+            <a:endParaRPr lang="he-IL" sz="2000" dirty="0"/>
+          </a:p>
+          <a:p>
+            <a:r>
+              <a:rPr lang="en-US" sz="2000" dirty="0"/>
+              <a:t>What if we want to sort them by multiple fields?</a:t>
+            </a:r>
+          </a:p>
+          <a:p>
+            <a:endParaRPr lang="en-US" sz="2000" dirty="0"/>
+          </a:p>
+          <a:p>
+            <a:endParaRPr lang="en-US" sz="2000" dirty="0"/>
+          </a:p>
+          <a:p>
+            <a:endParaRPr lang="en-US" sz="2000" dirty="0"/>
+          </a:p>
+          <a:p>
+            <a:endParaRPr lang="en-US" sz="2000" dirty="0"/>
+          </a:p>
+          <a:p>
+            <a:endParaRPr lang="en-US" sz="2000" dirty="0"/>
+          </a:p>
+          <a:p>
+            <a:r>
+              <a:rPr lang="en-US" sz="2000" dirty="0"/>
+              <a:t>Python also has its own libraries to solve this problem. The usage is very similar to that of anonymous functions and is a little easier to use.</a:t>
+            </a:r>
+          </a:p>
+          <a:p>
+            <a:endParaRPr lang="he-IL" sz="2000" dirty="0"/>
+          </a:p>
+          <a:p>
+            <a:endParaRPr lang="en-US" sz="2000" dirty="0"/>
+          </a:p>
+          <a:p>
+            <a:endParaRPr lang="en-US" sz="2000" dirty="0"/>
+          </a:p>
+          <a:p>
+            <a:endParaRPr lang="en-US" sz="2000" dirty="0"/>
+          </a:p>
+          <a:p>
+            <a:endParaRPr lang="en-US" sz="2000" dirty="0"/>
           </a:p>
         </p:txBody>
       </p:sp>
       <p:pic>
         <p:nvPicPr>
-          <p:cNvPr id="4" name="Picture 3">
+          <p:cNvPr id="9" name="Picture 8">
             <a:extLst>
               <a:ext uri="{FF2B5EF4-FFF2-40B4-BE49-F238E27FC236}">
-                <a16:creationId xmlns:a16="http://schemas.microsoft.com/office/drawing/2014/main" id="{0A6F2EB8-C7FE-4C4A-B3E9-5E4DEFEEBE35}"/>
+                <a16:creationId xmlns:a16="http://schemas.microsoft.com/office/drawing/2014/main" id="{EF1A1E37-9B78-CFF2-E275-7154CEE40053}"/>
               </a:ext>
             </a:extLst>
           </p:cNvPr>
@@ -12335,8 +12111,8 @@
         </p:blipFill>
         <p:spPr>
           <a:xfrm>
-            <a:off x="815482" y="4414356"/>
-            <a:ext cx="5087072" cy="809307"/>
+            <a:off x="480654" y="3062490"/>
+            <a:ext cx="7352194" cy="1008768"/>
           </a:xfrm>
           <a:prstGeom prst="rect">
             <a:avLst/>
@@ -12345,10 +12121,10 @@
       </p:pic>
       <p:pic>
         <p:nvPicPr>
-          <p:cNvPr id="7" name="Picture 6">
+          <p:cNvPr id="13" name="Picture 12">
             <a:extLst>
               <a:ext uri="{FF2B5EF4-FFF2-40B4-BE49-F238E27FC236}">
-                <a16:creationId xmlns:a16="http://schemas.microsoft.com/office/drawing/2014/main" id="{E4858F89-FFF2-436F-B254-A54692BBF2E5}"/>
+                <a16:creationId xmlns:a16="http://schemas.microsoft.com/office/drawing/2014/main" id="{94F57BC7-90D0-D843-2304-B9B5BFA8F6ED}"/>
               </a:ext>
             </a:extLst>
           </p:cNvPr>
@@ -12365,38 +12141,8 @@
         </p:blipFill>
         <p:spPr>
           <a:xfrm>
-            <a:off x="815482" y="5399220"/>
-            <a:ext cx="5066051" cy="472972"/>
-          </a:xfrm>
-          <a:prstGeom prst="rect">
-            <a:avLst/>
-          </a:prstGeom>
-        </p:spPr>
-      </p:pic>
-      <p:pic>
-        <p:nvPicPr>
-          <p:cNvPr id="12" name="Picture 11">
-            <a:extLst>
-              <a:ext uri="{FF2B5EF4-FFF2-40B4-BE49-F238E27FC236}">
-                <a16:creationId xmlns:a16="http://schemas.microsoft.com/office/drawing/2014/main" id="{F1083362-CB99-4030-A108-CB915D14A4B7}"/>
-              </a:ext>
-            </a:extLst>
-          </p:cNvPr>
-          <p:cNvPicPr>
-            <a:picLocks noChangeAspect="1"/>
-          </p:cNvPicPr>
-          <p:nvPr/>
-        </p:nvPicPr>
-        <p:blipFill>
-          <a:blip r:embed="rId4"/>
-          <a:stretch>
-            <a:fillRect/>
-          </a:stretch>
-        </p:blipFill>
-        <p:spPr>
-          <a:xfrm>
-            <a:off x="815482" y="2096395"/>
-            <a:ext cx="5087071" cy="2142404"/>
+            <a:off x="480654" y="5253106"/>
+            <a:ext cx="7338754" cy="831923"/>
           </a:xfrm>
           <a:prstGeom prst="rect">
             <a:avLst/>
@@ -12406,7 +12152,7 @@
     </p:spTree>
     <p:extLst>
       <p:ext uri="{BB962C8B-B14F-4D97-AF65-F5344CB8AC3E}">
-        <p14:creationId xmlns:p14="http://schemas.microsoft.com/office/powerpoint/2010/main" val="285903443"/>
+        <p14:creationId xmlns:p14="http://schemas.microsoft.com/office/powerpoint/2010/main" val="4037190161"/>
       </p:ext>
     </p:extLst>
   </p:cSld>
@@ -12441,8 +12187,8 @@
         </p:nvSpPr>
         <p:spPr>
           <a:xfrm>
-            <a:off x="754634" y="299464"/>
-            <a:ext cx="10210800" cy="505267"/>
+            <a:off x="478790" y="280766"/>
+            <a:ext cx="10210800" cy="566822"/>
           </a:xfrm>
           <a:prstGeom prst="rect">
             <a:avLst/>
@@ -12470,8 +12216,8 @@
           </a:lstStyle>
           <a:p>
             <a:r>
-              <a:rPr lang="en-US" dirty="0"/>
-              <a:t>JSON in Python</a:t>
+              <a:rPr lang="en-US" sz="3600" dirty="0"/>
+              <a:t>python comparator</a:t>
             </a:r>
           </a:p>
         </p:txBody>
@@ -12525,8 +12271,8 @@
         </p:nvSpPr>
         <p:spPr>
           <a:xfrm>
-            <a:off x="754634" y="877622"/>
-            <a:ext cx="10066020" cy="338554"/>
+            <a:off x="478790" y="1114867"/>
+            <a:ext cx="11321324" cy="7755969"/>
           </a:xfrm>
           <a:prstGeom prst="rect">
             <a:avLst/>
@@ -12540,18 +12286,85 @@
           <a:lstStyle/>
           <a:p>
             <a:r>
-              <a:rPr lang="en-US" sz="1600" dirty="0"/>
-              <a:t>Python has a built-in package called json, which can be used to work with JSON data.</a:t>
-            </a:r>
+              <a:rPr lang="en-US" sz="2000" dirty="0"/>
+              <a:t>It converts a comparison function into a key function. The comparison function must return 1, -1 and 0 for different conditions. It can be used in key functions such as sorted(), min(), max().</a:t>
+            </a:r>
+            <a:endParaRPr lang="he-IL" sz="2000" dirty="0"/>
+          </a:p>
+          <a:p>
+            <a:endParaRPr lang="he-IL" sz="2000" dirty="0"/>
+          </a:p>
+          <a:p>
+            <a:endParaRPr lang="he-IL" sz="2000" dirty="0"/>
+          </a:p>
+          <a:p>
+            <a:endParaRPr lang="en-US" sz="2000" dirty="0"/>
+          </a:p>
+          <a:p>
+            <a:endParaRPr lang="en-US" sz="2000" dirty="0"/>
+          </a:p>
+          <a:p>
+            <a:endParaRPr lang="en-US" sz="2000" dirty="0"/>
+          </a:p>
+          <a:p>
+            <a:endParaRPr lang="en-US" sz="2000" dirty="0"/>
+          </a:p>
+          <a:p>
+            <a:endParaRPr lang="en-US" sz="2000" dirty="0"/>
+          </a:p>
+          <a:p>
+            <a:endParaRPr lang="en-US" sz="2000" dirty="0"/>
+          </a:p>
+          <a:p>
+            <a:endParaRPr lang="en-US" sz="2000" dirty="0"/>
+          </a:p>
+          <a:p>
+            <a:endParaRPr lang="en-US" sz="2000" dirty="0"/>
+          </a:p>
+          <a:p>
+            <a:endParaRPr lang="en-US" sz="2000" dirty="0"/>
+          </a:p>
+          <a:p>
+            <a:endParaRPr lang="en-US" sz="2000" dirty="0"/>
+          </a:p>
+          <a:p>
+            <a:endParaRPr lang="en-US" sz="2000" dirty="0"/>
+          </a:p>
+          <a:p>
+            <a:endParaRPr lang="en-US" sz="2000" dirty="0"/>
+          </a:p>
+          <a:p>
+            <a:endParaRPr lang="en-US" sz="2000" dirty="0"/>
+          </a:p>
+          <a:p>
+            <a:endParaRPr lang="en-US" sz="2000" dirty="0"/>
+          </a:p>
+          <a:p>
+            <a:endParaRPr lang="en-US" sz="2000" dirty="0"/>
+          </a:p>
+          <a:p>
+            <a:endParaRPr lang="en-US" sz="2000" dirty="0"/>
+          </a:p>
+          <a:p>
+            <a:endParaRPr lang="en-US" sz="2000" dirty="0"/>
+          </a:p>
+          <a:p>
+            <a:endParaRPr lang="en-US" sz="2000" dirty="0"/>
+          </a:p>
+          <a:p>
+            <a:endParaRPr lang="en-US" sz="2000" dirty="0"/>
+          </a:p>
+          <a:p>
+            <a:endParaRPr lang="en-US" sz="2000" dirty="0"/>
           </a:p>
         </p:txBody>
       </p:sp>
       <p:pic>
         <p:nvPicPr>
-          <p:cNvPr id="5" name="Picture 4">
+          <p:cNvPr id="4" name="Picture 3">
             <a:extLst>
               <a:ext uri="{FF2B5EF4-FFF2-40B4-BE49-F238E27FC236}">
-                <a16:creationId xmlns:a16="http://schemas.microsoft.com/office/drawing/2014/main" id="{47215BF5-2E62-4EEB-B206-EBEDC3AD4CB7}"/>
+                <a16:creationId xmlns:a16="http://schemas.microsoft.com/office/drawing/2014/main" id="{0A6F2EB8-C7FE-4C4A-B3E9-5E4DEFEEBE35}"/>
               </a:ext>
             </a:extLst>
           </p:cNvPr>
@@ -12568,8 +12381,8 @@
         </p:blipFill>
         <p:spPr>
           <a:xfrm>
-            <a:off x="907034" y="1258290"/>
-            <a:ext cx="4991533" cy="2331922"/>
+            <a:off x="478789" y="4675067"/>
+            <a:ext cx="5747093" cy="914310"/>
           </a:xfrm>
           <a:prstGeom prst="rect">
             <a:avLst/>
@@ -12578,10 +12391,10 @@
       </p:pic>
       <p:pic>
         <p:nvPicPr>
-          <p:cNvPr id="9" name="Picture 8">
+          <p:cNvPr id="7" name="Picture 6">
             <a:extLst>
               <a:ext uri="{FF2B5EF4-FFF2-40B4-BE49-F238E27FC236}">
-                <a16:creationId xmlns:a16="http://schemas.microsoft.com/office/drawing/2014/main" id="{3F553277-A13B-44CC-BBEA-EDB4DA5342C3}"/>
+                <a16:creationId xmlns:a16="http://schemas.microsoft.com/office/drawing/2014/main" id="{E4858F89-FFF2-436F-B254-A54692BBF2E5}"/>
               </a:ext>
             </a:extLst>
           </p:cNvPr>
@@ -12598,63 +12411,20 @@
         </p:blipFill>
         <p:spPr>
           <a:xfrm>
-            <a:off x="6498213" y="2378949"/>
-            <a:ext cx="1356478" cy="1181202"/>
+            <a:off x="478789" y="5866376"/>
+            <a:ext cx="5747093" cy="536555"/>
           </a:xfrm>
           <a:prstGeom prst="rect">
             <a:avLst/>
           </a:prstGeom>
         </p:spPr>
       </p:pic>
-      <p:sp>
-        <p:nvSpPr>
-          <p:cNvPr id="13" name="תיבת טקסט 9">
+      <p:pic>
+        <p:nvPicPr>
+          <p:cNvPr id="12" name="Picture 11">
             <a:extLst>
               <a:ext uri="{FF2B5EF4-FFF2-40B4-BE49-F238E27FC236}">
-                <a16:creationId xmlns:a16="http://schemas.microsoft.com/office/drawing/2014/main" id="{653BC5FD-FEA7-435C-8FB5-5501190DFDF5}"/>
-              </a:ext>
-            </a:extLst>
-          </p:cNvPr>
-          <p:cNvSpPr txBox="1"/>
-          <p:nvPr/>
-        </p:nvSpPr>
-        <p:spPr>
-          <a:xfrm>
-            <a:off x="899414" y="3648456"/>
-            <a:ext cx="10066020" cy="338554"/>
-          </a:xfrm>
-          <a:prstGeom prst="rect">
-            <a:avLst/>
-          </a:prstGeom>
-          <a:noFill/>
-        </p:spPr>
-        <p:txBody>
-          <a:bodyPr wrap="square">
-            <a:spAutoFit/>
-          </a:bodyPr>
-          <a:lstStyle/>
-          <a:p>
-            <a:r>
-              <a:rPr lang="en-US" sz="1600" dirty="0"/>
-              <a:t>If you have a Python object, you can convert it into a JSON string by using the </a:t>
-            </a:r>
-            <a:r>
-              <a:rPr lang="en-US" sz="1600" dirty="0" err="1"/>
-              <a:t>json.dumps</a:t>
-            </a:r>
-            <a:r>
-              <a:rPr lang="en-US" sz="1600" dirty="0"/>
-              <a:t>() method.</a:t>
-            </a:r>
-          </a:p>
-        </p:txBody>
-      </p:sp>
-      <p:pic>
-        <p:nvPicPr>
-          <p:cNvPr id="16" name="Picture 15">
-            <a:extLst>
-              <a:ext uri="{FF2B5EF4-FFF2-40B4-BE49-F238E27FC236}">
-                <a16:creationId xmlns:a16="http://schemas.microsoft.com/office/drawing/2014/main" id="{69C8108A-A524-4181-8832-98978C364EFC}"/>
+                <a16:creationId xmlns:a16="http://schemas.microsoft.com/office/drawing/2014/main" id="{F1083362-CB99-4030-A108-CB915D14A4B7}"/>
               </a:ext>
             </a:extLst>
           </p:cNvPr>
@@ -12671,38 +12441,8 @@
         </p:blipFill>
         <p:spPr>
           <a:xfrm>
-            <a:off x="937514" y="4006857"/>
-            <a:ext cx="2525214" cy="2728543"/>
-          </a:xfrm>
-          <a:prstGeom prst="rect">
-            <a:avLst/>
-          </a:prstGeom>
-        </p:spPr>
-      </p:pic>
-      <p:pic>
-        <p:nvPicPr>
-          <p:cNvPr id="18" name="Picture 17">
-            <a:extLst>
-              <a:ext uri="{FF2B5EF4-FFF2-40B4-BE49-F238E27FC236}">
-                <a16:creationId xmlns:a16="http://schemas.microsoft.com/office/drawing/2014/main" id="{C9AE08D7-C73A-4051-8118-6D2F4AC37539}"/>
-              </a:ext>
-            </a:extLst>
-          </p:cNvPr>
-          <p:cNvPicPr>
-            <a:picLocks noChangeAspect="1"/>
-          </p:cNvPicPr>
-          <p:nvPr/>
-        </p:nvPicPr>
-        <p:blipFill>
-          <a:blip r:embed="rId5"/>
-          <a:stretch>
-            <a:fillRect/>
-          </a:stretch>
-        </p:blipFill>
-        <p:spPr>
-          <a:xfrm>
-            <a:off x="3752647" y="5599710"/>
-            <a:ext cx="4686706" cy="1104996"/>
+            <a:off x="497119" y="2029665"/>
+            <a:ext cx="5728763" cy="2412650"/>
           </a:xfrm>
           <a:prstGeom prst="rect">
             <a:avLst/>
@@ -12712,231 +12452,7 @@
     </p:spTree>
     <p:extLst>
       <p:ext uri="{BB962C8B-B14F-4D97-AF65-F5344CB8AC3E}">
-        <p14:creationId xmlns:p14="http://schemas.microsoft.com/office/powerpoint/2010/main" val="3396785863"/>
-      </p:ext>
-    </p:extLst>
-  </p:cSld>
-  <p:clrMapOvr>
-    <a:masterClrMapping/>
-  </p:clrMapOvr>
-</p:sld>
-</file>
-
-<file path=ppt/slides/slide33.xml><?xml version="1.0" encoding="utf-8"?>
-<p:sld xmlns:a="http://schemas.openxmlformats.org/drawingml/2006/main" xmlns:r="http://schemas.openxmlformats.org/officeDocument/2006/relationships" xmlns:p="http://schemas.openxmlformats.org/presentationml/2006/main">
-  <p:cSld>
-    <p:spTree>
-      <p:nvGrpSpPr>
-        <p:cNvPr id="1" name=""/>
-        <p:cNvGrpSpPr/>
-        <p:nvPr/>
-      </p:nvGrpSpPr>
-      <p:grpSpPr>
-        <a:xfrm>
-          <a:off x="0" y="0"/>
-          <a:ext cx="0" cy="0"/>
-          <a:chOff x="0" y="0"/>
-          <a:chExt cx="0" cy="0"/>
-        </a:xfrm>
-      </p:grpSpPr>
-      <p:sp>
-        <p:nvSpPr>
-          <p:cNvPr id="2" name="object 2"/>
-          <p:cNvSpPr txBox="1"/>
-          <p:nvPr/>
-        </p:nvSpPr>
-        <p:spPr>
-          <a:xfrm>
-            <a:off x="872728" y="471100"/>
-            <a:ext cx="10210800" cy="505267"/>
-          </a:xfrm>
-          <a:prstGeom prst="rect">
-            <a:avLst/>
-          </a:prstGeom>
-        </p:spPr>
-        <p:txBody>
-          <a:bodyPr vert="horz" wrap="square" lIns="0" tIns="12700" rIns="0" bIns="0" rtlCol="0">
-            <a:spAutoFit/>
-          </a:bodyPr>
-          <a:lstStyle>
-            <a:defPPr>
-              <a:defRPr lang="en-US"/>
-            </a:defPPr>
-            <a:lvl1pPr marL="12700">
-              <a:lnSpc>
-                <a:spcPct val="100000"/>
-              </a:lnSpc>
-              <a:spcBef>
-                <a:spcPts val="100"/>
-              </a:spcBef>
-              <a:defRPr sz="3200">
-                <a:cs typeface="Trebuchet MS"/>
-              </a:defRPr>
-            </a:lvl1pPr>
-          </a:lstStyle>
-          <a:p>
-            <a:r>
-              <a:rPr lang="en-US" dirty="0"/>
-              <a:t>JSON in Python</a:t>
-            </a:r>
-          </a:p>
-        </p:txBody>
-      </p:sp>
-      <p:sp>
-        <p:nvSpPr>
-          <p:cNvPr id="8" name="object 3">
-            <a:extLst>
-              <a:ext uri="{FF2B5EF4-FFF2-40B4-BE49-F238E27FC236}">
-                <a16:creationId xmlns:a16="http://schemas.microsoft.com/office/drawing/2014/main" id="{F616E044-87B4-4BFF-A22F-890CA709EC6C}"/>
-              </a:ext>
-            </a:extLst>
-          </p:cNvPr>
-          <p:cNvSpPr txBox="1"/>
-          <p:nvPr/>
-        </p:nvSpPr>
-        <p:spPr>
-          <a:xfrm>
-            <a:off x="2895600" y="609600"/>
-            <a:ext cx="8561705" cy="228268"/>
-          </a:xfrm>
-          <a:prstGeom prst="rect">
-            <a:avLst/>
-          </a:prstGeom>
-        </p:spPr>
-        <p:txBody>
-          <a:bodyPr vert="horz" wrap="square" lIns="0" tIns="12700" rIns="0" bIns="0" rtlCol="0">
-            <a:spAutoFit/>
-          </a:bodyPr>
-          <a:lstStyle/>
-          <a:p>
-            <a:pPr algn="l" fontAlgn="base"/>
-            <a:endParaRPr lang="en-US" sz="1400" b="1" i="0" dirty="0">
-              <a:effectLst/>
-              <a:latin typeface="var(--font-din)"/>
-            </a:endParaRPr>
-          </a:p>
-        </p:txBody>
-      </p:sp>
-      <p:pic>
-        <p:nvPicPr>
-          <p:cNvPr id="4" name="Picture 3">
-            <a:extLst>
-              <a:ext uri="{FF2B5EF4-FFF2-40B4-BE49-F238E27FC236}">
-                <a16:creationId xmlns:a16="http://schemas.microsoft.com/office/drawing/2014/main" id="{26364451-2D1E-4EF1-83E5-7FA56D3D5D30}"/>
-              </a:ext>
-            </a:extLst>
-          </p:cNvPr>
-          <p:cNvPicPr>
-            <a:picLocks noChangeAspect="1"/>
-          </p:cNvPicPr>
-          <p:nvPr/>
-        </p:nvPicPr>
-        <p:blipFill rotWithShape="1">
-          <a:blip r:embed="rId2"/>
-          <a:srcRect r="15392"/>
-          <a:stretch/>
-        </p:blipFill>
-        <p:spPr>
-          <a:xfrm>
-            <a:off x="872727" y="1314138"/>
-            <a:ext cx="8571075" cy="3995643"/>
-          </a:xfrm>
-          <a:prstGeom prst="rect">
-            <a:avLst/>
-          </a:prstGeom>
-        </p:spPr>
-      </p:pic>
-      <p:sp>
-        <p:nvSpPr>
-          <p:cNvPr id="3" name="object 3">
-            <a:extLst>
-              <a:ext uri="{FF2B5EF4-FFF2-40B4-BE49-F238E27FC236}">
-                <a16:creationId xmlns:a16="http://schemas.microsoft.com/office/drawing/2014/main" id="{1B2B3DE0-2D6C-62C9-8D2A-9940718D1983}"/>
-              </a:ext>
-            </a:extLst>
-          </p:cNvPr>
-          <p:cNvSpPr txBox="1"/>
-          <p:nvPr/>
-        </p:nvSpPr>
-        <p:spPr>
-          <a:xfrm>
-            <a:off x="3356473" y="5543862"/>
-            <a:ext cx="8561705" cy="1097736"/>
-          </a:xfrm>
-          <a:prstGeom prst="rect">
-            <a:avLst/>
-          </a:prstGeom>
-        </p:spPr>
-        <p:txBody>
-          <a:bodyPr vert="horz" wrap="square" lIns="0" tIns="12700" rIns="0" bIns="0" rtlCol="0">
-            <a:spAutoFit/>
-          </a:bodyPr>
-          <a:lstStyle/>
-          <a:p>
-            <a:pPr marL="355600" marR="5080" indent="-342900" algn="r">
-              <a:spcBef>
-                <a:spcPts val="100"/>
-              </a:spcBef>
-            </a:pPr>
-            <a:r>
-              <a:rPr lang="he-IL" sz="2800" b="1" dirty="0">
-                <a:latin typeface="Trebuchet MS"/>
-                <a:cs typeface="Trebuchet MS"/>
-              </a:rPr>
-              <a:t>מקורות</a:t>
-            </a:r>
-            <a:r>
-              <a:rPr lang="en-US" sz="2800" b="1" dirty="0">
-                <a:latin typeface="Trebuchet MS"/>
-                <a:cs typeface="Trebuchet MS"/>
-              </a:rPr>
-              <a:t> </a:t>
-            </a:r>
-          </a:p>
-          <a:p>
-            <a:pPr marL="355600" marR="5080" indent="-342900" algn="r">
-              <a:spcBef>
-                <a:spcPts val="100"/>
-              </a:spcBef>
-            </a:pPr>
-            <a:endParaRPr lang="en-US" sz="1200" dirty="0">
-              <a:hlinkClick r:id="rId3"/>
-            </a:endParaRPr>
-          </a:p>
-          <a:p>
-            <a:pPr marL="355600" marR="5080" indent="-342900" algn="r">
-              <a:spcBef>
-                <a:spcPts val="100"/>
-              </a:spcBef>
-            </a:pPr>
-            <a:r>
-              <a:rPr lang="en-US" sz="1600" dirty="0">
-                <a:hlinkClick r:id="rId3"/>
-              </a:rPr>
-              <a:t>https://www.geeksforgeeks.org/args-kwargs-python/</a:t>
-            </a:r>
-            <a:endParaRPr lang="en-US" sz="1600" b="1" dirty="0">
-              <a:latin typeface="Arial Black" panose="020B0A04020102020204" pitchFamily="34" charset="0"/>
-              <a:cs typeface="Arial"/>
-            </a:endParaRPr>
-          </a:p>
-          <a:p>
-            <a:pPr marL="355600" marR="5080" indent="-342900" algn="r">
-              <a:spcBef>
-                <a:spcPts val="100"/>
-              </a:spcBef>
-            </a:pPr>
-            <a:endParaRPr lang="en-US" sz="1200" b="1" dirty="0">
-              <a:latin typeface="Arial Black" panose="020B0A04020102020204" pitchFamily="34" charset="0"/>
-              <a:cs typeface="Arial"/>
-            </a:endParaRPr>
-          </a:p>
-        </p:txBody>
-      </p:sp>
-    </p:spTree>
-    <p:extLst>
-      <p:ext uri="{BB962C8B-B14F-4D97-AF65-F5344CB8AC3E}">
-        <p14:creationId xmlns:p14="http://schemas.microsoft.com/office/powerpoint/2010/main" val="3987131942"/>
+        <p14:creationId xmlns:p14="http://schemas.microsoft.com/office/powerpoint/2010/main" val="285903443"/>
       </p:ext>
     </p:extLst>
   </p:cSld>
@@ -13258,8 +12774,8 @@
         </p:nvSpPr>
         <p:spPr>
           <a:xfrm>
-            <a:off x="990600" y="273142"/>
-            <a:ext cx="10210800" cy="505267"/>
+            <a:off x="2383790" y="2807035"/>
+            <a:ext cx="7424420" cy="1243930"/>
           </a:xfrm>
           <a:prstGeom prst="rect">
             <a:avLst/>
@@ -13287,104 +12803,9 @@
           </a:lstStyle>
           <a:p>
             <a:r>
-              <a:rPr lang="en-US" dirty="0"/>
-              <a:t>Python Classes and Objects</a:t>
-            </a:r>
-          </a:p>
-        </p:txBody>
-      </p:sp>
-      <p:sp>
-        <p:nvSpPr>
-          <p:cNvPr id="8" name="object 3">
-            <a:extLst>
-              <a:ext uri="{FF2B5EF4-FFF2-40B4-BE49-F238E27FC236}">
-                <a16:creationId xmlns:a16="http://schemas.microsoft.com/office/drawing/2014/main" id="{F616E044-87B4-4BFF-A22F-890CA709EC6C}"/>
-              </a:ext>
-            </a:extLst>
-          </p:cNvPr>
-          <p:cNvSpPr txBox="1"/>
-          <p:nvPr/>
-        </p:nvSpPr>
-        <p:spPr>
-          <a:xfrm>
-            <a:off x="2895600" y="609600"/>
-            <a:ext cx="8561705" cy="228268"/>
-          </a:xfrm>
-          <a:prstGeom prst="rect">
-            <a:avLst/>
-          </a:prstGeom>
-        </p:spPr>
-        <p:txBody>
-          <a:bodyPr vert="horz" wrap="square" lIns="0" tIns="12700" rIns="0" bIns="0" rtlCol="0">
-            <a:spAutoFit/>
-          </a:bodyPr>
-          <a:lstStyle/>
-          <a:p>
-            <a:pPr algn="l" fontAlgn="base"/>
-            <a:endParaRPr lang="en-US" sz="1400" b="1" i="0" dirty="0">
-              <a:effectLst/>
-              <a:latin typeface="var(--font-din)"/>
-            </a:endParaRPr>
-          </a:p>
-        </p:txBody>
-      </p:sp>
-      <p:sp>
-        <p:nvSpPr>
-          <p:cNvPr id="10" name="תיבת טקסט 9">
-            <a:extLst>
-              <a:ext uri="{FF2B5EF4-FFF2-40B4-BE49-F238E27FC236}">
-                <a16:creationId xmlns:a16="http://schemas.microsoft.com/office/drawing/2014/main" id="{18AC4B54-B5F4-474E-9673-04DCF759462F}"/>
-              </a:ext>
-            </a:extLst>
-          </p:cNvPr>
-          <p:cNvSpPr txBox="1"/>
-          <p:nvPr/>
-        </p:nvSpPr>
-        <p:spPr>
-          <a:xfrm>
-            <a:off x="990600" y="1454317"/>
-            <a:ext cx="9129622" cy="3847207"/>
-          </a:xfrm>
-          <a:prstGeom prst="rect">
-            <a:avLst/>
-          </a:prstGeom>
-          <a:noFill/>
-        </p:spPr>
-        <p:txBody>
-          <a:bodyPr wrap="square">
-            <a:spAutoFit/>
-          </a:bodyPr>
-          <a:lstStyle/>
-          <a:p>
-            <a:r>
-              <a:rPr lang="en-US" sz="2800" dirty="0"/>
-              <a:t>Python is an object oriented programming language.</a:t>
-            </a:r>
-          </a:p>
-          <a:p>
-            <a:r>
-              <a:rPr lang="en-US" sz="2800" dirty="0"/>
-              <a:t>Almost everything in Python is an object, with its properties and methods.</a:t>
-            </a:r>
-          </a:p>
-          <a:p>
-            <a:endParaRPr lang="en-US" sz="2800" dirty="0"/>
-          </a:p>
-          <a:p>
-            <a:endParaRPr lang="en-US" sz="2800" dirty="0"/>
-          </a:p>
-          <a:p>
-            <a:r>
-              <a:rPr lang="en-US" sz="2800" dirty="0"/>
-              <a:t>A Class is like an object constructor, or a "blueprint" for creating objects.</a:t>
-            </a:r>
-            <a:endParaRPr lang="en-US" sz="2400" dirty="0"/>
-          </a:p>
-          <a:p>
-            <a:endParaRPr lang="en-US" sz="2400" dirty="0"/>
-          </a:p>
-          <a:p>
-            <a:endParaRPr lang="en-US" sz="2400" dirty="0"/>
+              <a:rPr lang="en-US" sz="8000" dirty="0"/>
+              <a:t>Python Classes</a:t>
+            </a:r>
           </a:p>
         </p:txBody>
       </p:sp>
@@ -13532,7 +12953,7 @@
         </p:nvSpPr>
         <p:spPr>
           <a:xfrm>
-            <a:off x="990600" y="273142"/>
+            <a:off x="650240" y="344262"/>
             <a:ext cx="10210800" cy="505267"/>
           </a:xfrm>
           <a:prstGeom prst="rect">
@@ -13750,7 +13171,7 @@
         <p:spPr>
           <a:xfrm>
             <a:off x="878805" y="1090502"/>
-            <a:ext cx="9265319" cy="9202519"/>
+            <a:ext cx="11719595" cy="9233297"/>
           </a:xfrm>
           <a:prstGeom prst="rect">
             <a:avLst/>
@@ -13764,7 +13185,7 @@
           <a:lstStyle/>
           <a:p>
             <a:r>
-              <a:rPr lang="en-US" sz="1600" dirty="0"/>
+              <a:rPr lang="en-US" sz="2000" dirty="0"/>
               <a:t>To create a property, you can do it in any function in the class, when you want to initialize it:</a:t>
             </a:r>
           </a:p>
@@ -13791,37 +13212,34 @@
           </a:p>
           <a:p>
             <a:r>
-              <a:rPr lang="en-US" sz="1600" dirty="0"/>
-              <a:t>You can modify properties on objects like this:</a:t>
-            </a:r>
-          </a:p>
-          <a:p>
-            <a:endParaRPr lang="en-US" sz="1600" dirty="0"/>
-          </a:p>
-          <a:p>
-            <a:endParaRPr lang="en-US" sz="1600" dirty="0"/>
-          </a:p>
-          <a:p>
-            <a:endParaRPr lang="en-US" sz="1600" dirty="0"/>
-          </a:p>
-          <a:p>
-            <a:endParaRPr lang="en-US" sz="1600" dirty="0"/>
-          </a:p>
-          <a:p>
-            <a:endParaRPr lang="en-US" sz="1600" dirty="0"/>
-          </a:p>
-          <a:p>
-            <a:endParaRPr lang="en-US" sz="1600" dirty="0"/>
-          </a:p>
-          <a:p>
-            <a:r>
-              <a:rPr lang="en-US" sz="1600" dirty="0"/>
+              <a:rPr lang="en-US" sz="2000" dirty="0"/>
+              <a:t>You can create and modify properties on objects like this:</a:t>
+            </a:r>
+          </a:p>
+          <a:p>
+            <a:endParaRPr lang="en-US" sz="1600" dirty="0"/>
+          </a:p>
+          <a:p>
+            <a:endParaRPr lang="en-US" sz="1600" dirty="0"/>
+          </a:p>
+          <a:p>
+            <a:endParaRPr lang="en-US" sz="1600" dirty="0"/>
+          </a:p>
+          <a:p>
+            <a:endParaRPr lang="en-US" sz="1600" dirty="0"/>
+          </a:p>
+          <a:p>
+            <a:endParaRPr lang="en-US" sz="2000" dirty="0"/>
+          </a:p>
+          <a:p>
+            <a:r>
+              <a:rPr lang="en-US" sz="2000" dirty="0"/>
               <a:t>Delete Object Properties</a:t>
             </a:r>
           </a:p>
           <a:p>
             <a:r>
-              <a:rPr lang="en-US" sz="1600" dirty="0"/>
+              <a:rPr lang="en-US" sz="2000" dirty="0"/>
               <a:t>You can delete properties on objects by using the del keyword:</a:t>
             </a:r>
           </a:p>
@@ -13909,7 +13327,7 @@
         </p:blipFill>
         <p:spPr>
           <a:xfrm>
-            <a:off x="1006616" y="3414383"/>
+            <a:off x="1006616" y="3465501"/>
             <a:ext cx="2453853" cy="823031"/>
           </a:xfrm>
           <a:prstGeom prst="rect">
@@ -13939,7 +13357,7 @@
         </p:blipFill>
         <p:spPr>
           <a:xfrm>
-            <a:off x="956645" y="5303438"/>
+            <a:off x="878805" y="5392766"/>
             <a:ext cx="4633362" cy="944962"/>
           </a:xfrm>
           <a:prstGeom prst="rect">
@@ -14100,7 +13518,7 @@
         <p:spPr>
           <a:xfrm>
             <a:off x="790294" y="1358806"/>
-            <a:ext cx="9129622" cy="1477328"/>
+            <a:ext cx="9129622" cy="1631216"/>
           </a:xfrm>
           <a:prstGeom prst="rect">
             <a:avLst/>
@@ -14114,16 +13532,16 @@
           <a:lstStyle/>
           <a:p>
             <a:r>
-              <a:rPr lang="en-US" dirty="0"/>
+              <a:rPr lang="en-US" sz="2000" dirty="0"/>
               <a:t>The self parameter is a reference to the current instance of the class,  and is used to access variables that belongs to the class.</a:t>
             </a:r>
           </a:p>
           <a:p>
-            <a:endParaRPr lang="en-US" dirty="0"/>
-          </a:p>
-          <a:p>
-            <a:r>
-              <a:rPr lang="en-US" dirty="0">
+            <a:endParaRPr lang="en-US" sz="2000" dirty="0"/>
+          </a:p>
+          <a:p>
+            <a:r>
+              <a:rPr lang="en-US" sz="2000" dirty="0">
                 <a:solidFill>
                   <a:srgbClr val="FFFF00"/>
                 </a:solidFill>
@@ -14433,7 +13851,7 @@
         <p:spPr>
           <a:xfrm>
             <a:off x="743481" y="1063646"/>
-            <a:ext cx="8990073" cy="7971413"/>
+            <a:ext cx="8990073" cy="8094524"/>
           </a:xfrm>
           <a:prstGeom prst="rect">
             <a:avLst/>
@@ -14447,17 +13865,11 @@
           <a:lstStyle/>
           <a:p>
             <a:r>
-              <a:rPr lang="en-US" sz="2000" dirty="0"/>
-              <a:t>The examples above are classes and objects in their simplest form, and are not really useful in real life applications.</a:t>
-            </a:r>
-          </a:p>
-          <a:p>
-            <a:r>
-              <a:rPr lang="en-US" sz="2000" dirty="0"/>
+              <a:rPr lang="en-US" sz="2400" dirty="0"/>
               <a:t>To understand the meaning of classes we have to understand the built-in </a:t>
             </a:r>
             <a:r>
-              <a:rPr lang="en-US" sz="2000" dirty="0">
+              <a:rPr lang="en-US" sz="2400" dirty="0">
                 <a:solidFill>
                   <a:schemeClr val="accent3"/>
                 </a:solidFill>
@@ -14465,7 +13877,7 @@
               <a:t>__</a:t>
             </a:r>
             <a:r>
-              <a:rPr lang="en-US" sz="2000" dirty="0" err="1">
+              <a:rPr lang="en-US" sz="2400" dirty="0" err="1">
                 <a:solidFill>
                   <a:schemeClr val="accent3"/>
                 </a:solidFill>
@@ -14473,7 +13885,7 @@
               <a:t>init</a:t>
             </a:r>
             <a:r>
-              <a:rPr lang="en-US" sz="2000" dirty="0">
+              <a:rPr lang="en-US" sz="2400" dirty="0">
                 <a:solidFill>
                   <a:schemeClr val="accent3"/>
                 </a:solidFill>
@@ -14481,7 +13893,7 @@
               <a:t>__()</a:t>
             </a:r>
             <a:r>
-              <a:rPr lang="en-US" sz="2000" dirty="0">
+              <a:rPr lang="en-US" sz="2400" dirty="0">
                 <a:solidFill>
                   <a:schemeClr val="accent6">
                     <a:lumMod val="75000"/>
@@ -14491,17 +13903,17 @@
               <a:t> </a:t>
             </a:r>
             <a:r>
-              <a:rPr lang="en-US" sz="2000" dirty="0"/>
+              <a:rPr lang="en-US" sz="2400" dirty="0"/>
               <a:t>function.</a:t>
             </a:r>
           </a:p>
           <a:p>
             <a:r>
-              <a:rPr lang="en-US" sz="2000" dirty="0"/>
+              <a:rPr lang="en-US" sz="2400" dirty="0"/>
               <a:t>All classes have a function called </a:t>
             </a:r>
             <a:r>
-              <a:rPr lang="en-US" sz="2000" dirty="0">
+              <a:rPr lang="en-US" sz="2400" dirty="0">
                 <a:solidFill>
                   <a:schemeClr val="accent3"/>
                 </a:solidFill>
@@ -14509,7 +13921,7 @@
               <a:t>__</a:t>
             </a:r>
             <a:r>
-              <a:rPr lang="en-US" sz="2000" dirty="0" err="1">
+              <a:rPr lang="en-US" sz="2400" dirty="0" err="1">
                 <a:solidFill>
                   <a:schemeClr val="accent3"/>
                 </a:solidFill>
@@ -14517,7 +13929,7 @@
               <a:t>init</a:t>
             </a:r>
             <a:r>
-              <a:rPr lang="en-US" sz="2000" dirty="0">
+              <a:rPr lang="en-US" sz="2400" dirty="0">
                 <a:solidFill>
                   <a:schemeClr val="accent3"/>
                 </a:solidFill>
@@ -14525,17 +13937,17 @@
               <a:t>__(), </a:t>
             </a:r>
             <a:r>
-              <a:rPr lang="en-US" sz="2000" dirty="0"/>
+              <a:rPr lang="en-US" sz="2400" dirty="0"/>
               <a:t>which is always executed when the class is being initiated.</a:t>
             </a:r>
           </a:p>
           <a:p>
             <a:r>
-              <a:rPr lang="en-US" sz="2000" dirty="0"/>
+              <a:rPr lang="en-US" sz="2400" dirty="0"/>
               <a:t>Use the </a:t>
             </a:r>
             <a:r>
-              <a:rPr lang="en-US" sz="2000" dirty="0">
+              <a:rPr lang="en-US" sz="2400" dirty="0">
                 <a:solidFill>
                   <a:schemeClr val="accent3"/>
                 </a:solidFill>
@@ -14543,7 +13955,7 @@
               <a:t>__</a:t>
             </a:r>
             <a:r>
-              <a:rPr lang="en-US" sz="2000" dirty="0" err="1">
+              <a:rPr lang="en-US" sz="2400" dirty="0" err="1">
                 <a:solidFill>
                   <a:schemeClr val="accent3"/>
                 </a:solidFill>
@@ -14551,7 +13963,7 @@
               <a:t>init</a:t>
             </a:r>
             <a:r>
-              <a:rPr lang="en-US" sz="2000" dirty="0">
+              <a:rPr lang="en-US" sz="2400" dirty="0">
                 <a:solidFill>
                   <a:schemeClr val="accent3"/>
                 </a:solidFill>
@@ -14559,12 +13971,12 @@
               <a:t>__() </a:t>
             </a:r>
             <a:r>
-              <a:rPr lang="en-US" sz="2000" dirty="0"/>
+              <a:rPr lang="en-US" sz="2400" dirty="0"/>
               <a:t>function to assign values to object properties, or other operations that are necessary to do when the object is being created:</a:t>
             </a:r>
           </a:p>
           <a:p>
-            <a:endParaRPr lang="en-US" sz="1600" dirty="0"/>
+            <a:endParaRPr lang="en-US" dirty="0"/>
           </a:p>
           <a:p>
             <a:endParaRPr lang="en-US" sz="1600" dirty="0"/>
